--- a/Day-1-Intro-to-CV/1.0 - Course Overview.pptx
+++ b/Day-1-Intro-to-CV/1.0 - Course Overview.pptx
@@ -461,7 +461,7 @@
           <a:p>
             <a:fld id="{7749BA5B-2039-434B-BCF9-6E0125737D1C}" type="datetimeFigureOut">
               <a:rPr lang="en-GB" smtClean="0"/>
-              <a:t>18/08/2024</a:t>
+              <a:t>19/08/2024</a:t>
             </a:fld>
             <a:endParaRPr lang="en-GB"/>
           </a:p>
@@ -944,7 +944,7 @@
           <a:p>
             <a:fld id="{4C91E4DF-AA96-BA4B-9490-EA21B6F3B437}" type="datetime1">
               <a:rPr lang="en-GB" smtClean="0"/>
-              <a:t>18/08/2024</a:t>
+              <a:t>19/08/2024</a:t>
             </a:fld>
             <a:endParaRPr lang="en-GB"/>
           </a:p>
@@ -1114,7 +1114,7 @@
           <a:p>
             <a:fld id="{EE709486-C6CE-A643-866E-8A331E43D7D7}" type="datetime1">
               <a:rPr lang="en-GB" smtClean="0"/>
-              <a:t>18/08/2024</a:t>
+              <a:t>19/08/2024</a:t>
             </a:fld>
             <a:endParaRPr lang="en-GB"/>
           </a:p>
@@ -1294,7 +1294,7 @@
           <a:p>
             <a:fld id="{807CCDDC-20B2-E447-8E4F-0EBA179EE65B}" type="datetime1">
               <a:rPr lang="en-GB" smtClean="0"/>
-              <a:t>18/08/2024</a:t>
+              <a:t>19/08/2024</a:t>
             </a:fld>
             <a:endParaRPr lang="en-GB"/>
           </a:p>
@@ -1490,7 +1490,7 @@
           <a:p>
             <a:fld id="{276B5528-0FC0-CF43-B393-1DEAD16B3BA9}" type="datetime1">
               <a:rPr lang="en-GB" smtClean="0"/>
-              <a:t>18/08/2024</a:t>
+              <a:t>19/08/2024</a:t>
             </a:fld>
             <a:endParaRPr lang="en-GB"/>
           </a:p>
@@ -2560,7 +2560,7 @@
           <a:p>
             <a:fld id="{6E4651D6-7417-1443-8B35-892745CC3A91}" type="datetime1">
               <a:rPr lang="en-GB" smtClean="0"/>
-              <a:t>18/08/2024</a:t>
+              <a:t>19/08/2024</a:t>
             </a:fld>
             <a:endParaRPr lang="en-GB"/>
           </a:p>
@@ -2792,7 +2792,7 @@
           <a:p>
             <a:fld id="{C2FBCE66-E3B0-EF48-B168-7DDF300309BF}" type="datetime1">
               <a:rPr lang="en-GB" smtClean="0"/>
-              <a:t>18/08/2024</a:t>
+              <a:t>19/08/2024</a:t>
             </a:fld>
             <a:endParaRPr lang="en-GB"/>
           </a:p>
@@ -3159,7 +3159,7 @@
           <a:p>
             <a:fld id="{845FFBD5-4946-A442-84C7-4C8C0AB10F4F}" type="datetime1">
               <a:rPr lang="en-GB" smtClean="0"/>
-              <a:t>18/08/2024</a:t>
+              <a:t>19/08/2024</a:t>
             </a:fld>
             <a:endParaRPr lang="en-GB"/>
           </a:p>
@@ -3277,7 +3277,7 @@
           <a:p>
             <a:fld id="{B9AFF6B2-3C41-2A43-AD61-E8BEE2F21CBE}" type="datetime1">
               <a:rPr lang="en-GB" smtClean="0"/>
-              <a:t>18/08/2024</a:t>
+              <a:t>19/08/2024</a:t>
             </a:fld>
             <a:endParaRPr lang="en-GB"/>
           </a:p>
@@ -3372,7 +3372,7 @@
           <a:p>
             <a:fld id="{D3702801-DD9D-144D-A6D7-DAACB2C1B94F}" type="datetime1">
               <a:rPr lang="en-GB" smtClean="0"/>
-              <a:t>18/08/2024</a:t>
+              <a:t>19/08/2024</a:t>
             </a:fld>
             <a:endParaRPr lang="en-GB"/>
           </a:p>
@@ -3649,7 +3649,7 @@
           <a:p>
             <a:fld id="{5C445683-D338-2841-828F-F8B7A4D38D33}" type="datetime1">
               <a:rPr lang="en-GB" smtClean="0"/>
-              <a:t>18/08/2024</a:t>
+              <a:t>19/08/2024</a:t>
             </a:fld>
             <a:endParaRPr lang="en-GB"/>
           </a:p>
@@ -3902,7 +3902,7 @@
           <a:p>
             <a:fld id="{0C34D948-243F-FE41-AC1D-C51B2B65E2D2}" type="datetime1">
               <a:rPr lang="en-GB" smtClean="0"/>
-              <a:t>18/08/2024</a:t>
+              <a:t>19/08/2024</a:t>
             </a:fld>
             <a:endParaRPr lang="en-GB"/>
           </a:p>
@@ -4115,7 +4115,7 @@
           <a:p>
             <a:fld id="{FCE9F5A0-AF8F-E049-B449-BA36575A92F9}" type="datetime1">
               <a:rPr lang="en-GB" smtClean="0"/>
-              <a:t>18/08/2024</a:t>
+              <a:t>19/08/2024</a:t>
             </a:fld>
             <a:endParaRPr lang="en-GB"/>
           </a:p>
@@ -6180,6 +6180,14 @@
 <file path=ppt/slides/slide8.xml><?xml version="1.0" encoding="utf-8"?>
 <p:sld xmlns:a="http://schemas.openxmlformats.org/drawingml/2006/main" xmlns:r="http://schemas.openxmlformats.org/officeDocument/2006/relationships" xmlns:p="http://schemas.openxmlformats.org/presentationml/2006/main">
   <p:cSld>
+    <p:bg>
+      <p:bgPr>
+        <a:solidFill>
+          <a:schemeClr val="bg1"/>
+        </a:solidFill>
+        <a:effectLst/>
+      </p:bgPr>
+    </p:bg>
     <p:spTree>
       <p:nvGrpSpPr>
         <p:cNvPr id="1" name=""/>
@@ -6194,6 +6202,401 @@
           <a:chExt cx="0" cy="0"/>
         </a:xfrm>
       </p:grpSpPr>
+      <p:sp useBgFill="1">
+        <p:nvSpPr>
+          <p:cNvPr id="11" name="Rectangle 10">
+            <a:extLst>
+              <a:ext uri="{FF2B5EF4-FFF2-40B4-BE49-F238E27FC236}">
+                <a16:creationId xmlns:a16="http://schemas.microsoft.com/office/drawing/2014/main" id="{0288C6B4-AFC3-407F-A595-EFFD38D4CCAF}"/>
+              </a:ext>
+              <a:ext uri="{C183D7F6-B498-43B3-948B-1728B52AA6E4}">
+                <adec:decorative xmlns:adec="http://schemas.microsoft.com/office/drawing/2017/decorative" val="1"/>
+              </a:ext>
+            </a:extLst>
+          </p:cNvPr>
+          <p:cNvSpPr>
+            <a:spLocks noGrp="1" noRot="1" noChangeAspect="1" noMove="1" noResize="1" noEditPoints="1" noAdjustHandles="1" noChangeArrowheads="1" noChangeShapeType="1" noTextEdit="1"/>
+          </p:cNvSpPr>
+          <p:nvPr>
+            <p:extLst>
+              <p:ext uri="{386F3935-93C4-4BCD-93E2-E3B085C9AB24}">
+                <p16:designElem xmlns:p16="http://schemas.microsoft.com/office/powerpoint/2015/main" val="1"/>
+              </p:ext>
+            </p:extLst>
+          </p:nvPr>
+        </p:nvSpPr>
+        <p:spPr>
+          <a:xfrm>
+            <a:off x="0" y="0"/>
+            <a:ext cx="12192000" cy="6858000"/>
+          </a:xfrm>
+          <a:prstGeom prst="rect">
+            <a:avLst/>
+          </a:prstGeom>
+          <a:ln>
+            <a:noFill/>
+          </a:ln>
+        </p:spPr>
+        <p:style>
+          <a:lnRef idx="2">
+            <a:schemeClr val="accent1">
+              <a:shade val="50000"/>
+            </a:schemeClr>
+          </a:lnRef>
+          <a:fillRef idx="1">
+            <a:schemeClr val="accent1"/>
+          </a:fillRef>
+          <a:effectRef idx="0">
+            <a:schemeClr val="accent1"/>
+          </a:effectRef>
+          <a:fontRef idx="minor">
+            <a:schemeClr val="lt1"/>
+          </a:fontRef>
+        </p:style>
+        <p:txBody>
+          <a:bodyPr rtlCol="0" anchor="ctr"/>
+          <a:lstStyle/>
+          <a:p>
+            <a:pPr algn="ctr"/>
+            <a:endParaRPr lang="en-US"/>
+          </a:p>
+        </p:txBody>
+      </p:sp>
+      <p:sp useBgFill="1">
+        <p:nvSpPr>
+          <p:cNvPr id="13" name="Freeform: Shape 12">
+            <a:extLst>
+              <a:ext uri="{FF2B5EF4-FFF2-40B4-BE49-F238E27FC236}">
+                <a16:creationId xmlns:a16="http://schemas.microsoft.com/office/drawing/2014/main" id="{CF236821-17FE-429B-8D2C-08E13A64EA40}"/>
+              </a:ext>
+              <a:ext uri="{C183D7F6-B498-43B3-948B-1728B52AA6E4}">
+                <adec:decorative xmlns:adec="http://schemas.microsoft.com/office/drawing/2017/decorative" val="1"/>
+              </a:ext>
+            </a:extLst>
+          </p:cNvPr>
+          <p:cNvSpPr>
+            <a:spLocks noGrp="1" noRot="1" noChangeAspect="1" noMove="1" noResize="1" noEditPoints="1" noAdjustHandles="1" noChangeArrowheads="1" noChangeShapeType="1" noTextEdit="1"/>
+          </p:cNvSpPr>
+          <p:nvPr>
+            <p:extLst>
+              <p:ext uri="{386F3935-93C4-4BCD-93E2-E3B085C9AB24}">
+                <p16:designElem xmlns:p16="http://schemas.microsoft.com/office/powerpoint/2015/main" val="1"/>
+              </p:ext>
+            </p:extLst>
+          </p:nvPr>
+        </p:nvSpPr>
+        <p:spPr>
+          <a:xfrm>
+            <a:off x="-1" y="0"/>
+            <a:ext cx="4455673" cy="6858000"/>
+          </a:xfrm>
+          <a:custGeom>
+            <a:avLst/>
+            <a:gdLst>
+              <a:gd name="connsiteX0" fmla="*/ 0 w 4455673"/>
+              <a:gd name="connsiteY0" fmla="*/ 0 h 6858000"/>
+              <a:gd name="connsiteX1" fmla="*/ 3242695 w 4455673"/>
+              <a:gd name="connsiteY1" fmla="*/ 0 h 6858000"/>
+              <a:gd name="connsiteX2" fmla="*/ 3305678 w 4455673"/>
+              <a:gd name="connsiteY2" fmla="*/ 69271 h 6858000"/>
+              <a:gd name="connsiteX3" fmla="*/ 4455673 w 4455673"/>
+              <a:gd name="connsiteY3" fmla="*/ 3429000 h 6858000"/>
+              <a:gd name="connsiteX4" fmla="*/ 3305678 w 4455673"/>
+              <a:gd name="connsiteY4" fmla="*/ 6788730 h 6858000"/>
+              <a:gd name="connsiteX5" fmla="*/ 3242695 w 4455673"/>
+              <a:gd name="connsiteY5" fmla="*/ 6858000 h 6858000"/>
+              <a:gd name="connsiteX6" fmla="*/ 0 w 4455673"/>
+              <a:gd name="connsiteY6" fmla="*/ 6858000 h 6858000"/>
+            </a:gdLst>
+            <a:ahLst/>
+            <a:cxnLst>
+              <a:cxn ang="0">
+                <a:pos x="connsiteX0" y="connsiteY0"/>
+              </a:cxn>
+              <a:cxn ang="0">
+                <a:pos x="connsiteX1" y="connsiteY1"/>
+              </a:cxn>
+              <a:cxn ang="0">
+                <a:pos x="connsiteX2" y="connsiteY2"/>
+              </a:cxn>
+              <a:cxn ang="0">
+                <a:pos x="connsiteX3" y="connsiteY3"/>
+              </a:cxn>
+              <a:cxn ang="0">
+                <a:pos x="connsiteX4" y="connsiteY4"/>
+              </a:cxn>
+              <a:cxn ang="0">
+                <a:pos x="connsiteX5" y="connsiteY5"/>
+              </a:cxn>
+              <a:cxn ang="0">
+                <a:pos x="connsiteX6" y="connsiteY6"/>
+              </a:cxn>
+            </a:cxnLst>
+            <a:rect l="l" t="t" r="r" b="b"/>
+            <a:pathLst>
+              <a:path w="4455673" h="6858000">
+                <a:moveTo>
+                  <a:pt x="0" y="0"/>
+                </a:moveTo>
+                <a:lnTo>
+                  <a:pt x="3242695" y="0"/>
+                </a:lnTo>
+                <a:lnTo>
+                  <a:pt x="3305678" y="69271"/>
+                </a:lnTo>
+                <a:cubicBezTo>
+                  <a:pt x="4016204" y="929100"/>
+                  <a:pt x="4455673" y="2116944"/>
+                  <a:pt x="4455673" y="3429000"/>
+                </a:cubicBezTo>
+                <a:cubicBezTo>
+                  <a:pt x="4455673" y="4741056"/>
+                  <a:pt x="4016204" y="5928900"/>
+                  <a:pt x="3305678" y="6788730"/>
+                </a:cubicBezTo>
+                <a:lnTo>
+                  <a:pt x="3242695" y="6858000"/>
+                </a:lnTo>
+                <a:lnTo>
+                  <a:pt x="0" y="6858000"/>
+                </a:lnTo>
+                <a:close/>
+              </a:path>
+            </a:pathLst>
+          </a:custGeom>
+          <a:ln w="9525">
+            <a:solidFill>
+              <a:srgbClr val="EFEFEF"/>
+            </a:solidFill>
+          </a:ln>
+          <a:effectLst>
+            <a:outerShdw blurRad="88900" dist="38100" algn="l" rotWithShape="0">
+              <a:schemeClr val="bg1">
+                <a:lumMod val="85000"/>
+                <a:alpha val="50000"/>
+              </a:schemeClr>
+            </a:outerShdw>
+          </a:effectLst>
+        </p:spPr>
+        <p:style>
+          <a:lnRef idx="2">
+            <a:schemeClr val="accent1">
+              <a:shade val="50000"/>
+            </a:schemeClr>
+          </a:lnRef>
+          <a:fillRef idx="1">
+            <a:schemeClr val="accent1"/>
+          </a:fillRef>
+          <a:effectRef idx="0">
+            <a:schemeClr val="accent1"/>
+          </a:effectRef>
+          <a:fontRef idx="minor">
+            <a:schemeClr val="lt1"/>
+          </a:fontRef>
+        </p:style>
+        <p:txBody>
+          <a:bodyPr wrap="square" rtlCol="0" anchor="ctr">
+            <a:noAutofit/>
+          </a:bodyPr>
+          <a:lstStyle/>
+          <a:p>
+            <a:pPr marL="0" marR="0" lvl="0" indent="0" algn="ctr" defTabSz="914400" rtl="0" eaLnBrk="1" fontAlgn="auto" latinLnBrk="0" hangingPunct="1">
+              <a:lnSpc>
+                <a:spcPct val="100000"/>
+              </a:lnSpc>
+              <a:spcBef>
+                <a:spcPts val="0"/>
+              </a:spcBef>
+              <a:spcAft>
+                <a:spcPts val="0"/>
+              </a:spcAft>
+              <a:buClrTx/>
+              <a:buSzTx/>
+              <a:buFontTx/>
+              <a:buNone/>
+              <a:tabLst/>
+              <a:defRPr/>
+            </a:pPr>
+            <a:endParaRPr kumimoji="0" lang="en-US" sz="1800" b="0" i="0" u="none" strike="noStrike" kern="1200" cap="none" spc="0" normalizeH="0" baseline="0" noProof="0">
+              <a:ln>
+                <a:noFill/>
+              </a:ln>
+              <a:solidFill>
+                <a:prstClr val="white"/>
+              </a:solidFill>
+              <a:effectLst/>
+              <a:uLnTx/>
+              <a:uFillTx/>
+              <a:latin typeface="Calibri" panose="020F0502020204030204"/>
+              <a:ea typeface="+mn-ea"/>
+              <a:cs typeface="+mn-cs"/>
+            </a:endParaRPr>
+          </a:p>
+        </p:txBody>
+      </p:sp>
+      <p:sp useBgFill="1">
+        <p:nvSpPr>
+          <p:cNvPr id="15" name="Freeform: Shape 14">
+            <a:extLst>
+              <a:ext uri="{FF2B5EF4-FFF2-40B4-BE49-F238E27FC236}">
+                <a16:creationId xmlns:a16="http://schemas.microsoft.com/office/drawing/2014/main" id="{C0BDBCD2-E081-43AB-9119-C55465E59757}"/>
+              </a:ext>
+              <a:ext uri="{C183D7F6-B498-43B3-948B-1728B52AA6E4}">
+                <adec:decorative xmlns:adec="http://schemas.microsoft.com/office/drawing/2017/decorative" val="1"/>
+              </a:ext>
+            </a:extLst>
+          </p:cNvPr>
+          <p:cNvSpPr>
+            <a:spLocks noGrp="1" noRot="1" noChangeAspect="1" noMove="1" noResize="1" noEditPoints="1" noAdjustHandles="1" noChangeArrowheads="1" noChangeShapeType="1" noTextEdit="1"/>
+          </p:cNvSpPr>
+          <p:nvPr>
+            <p:extLst>
+              <p:ext uri="{386F3935-93C4-4BCD-93E2-E3B085C9AB24}">
+                <p16:designElem xmlns:p16="http://schemas.microsoft.com/office/powerpoint/2015/main" val="1"/>
+              </p:ext>
+            </p:extLst>
+          </p:nvPr>
+        </p:nvSpPr>
+        <p:spPr>
+          <a:xfrm>
+            <a:off x="0" y="0"/>
+            <a:ext cx="4446529" cy="6858000"/>
+          </a:xfrm>
+          <a:custGeom>
+            <a:avLst/>
+            <a:gdLst>
+              <a:gd name="connsiteX0" fmla="*/ 0 w 4446529"/>
+              <a:gd name="connsiteY0" fmla="*/ 0 h 6858000"/>
+              <a:gd name="connsiteX1" fmla="*/ 3233551 w 4446529"/>
+              <a:gd name="connsiteY1" fmla="*/ 0 h 6858000"/>
+              <a:gd name="connsiteX2" fmla="*/ 3296534 w 4446529"/>
+              <a:gd name="connsiteY2" fmla="*/ 69271 h 6858000"/>
+              <a:gd name="connsiteX3" fmla="*/ 4446529 w 4446529"/>
+              <a:gd name="connsiteY3" fmla="*/ 3429000 h 6858000"/>
+              <a:gd name="connsiteX4" fmla="*/ 3296534 w 4446529"/>
+              <a:gd name="connsiteY4" fmla="*/ 6788730 h 6858000"/>
+              <a:gd name="connsiteX5" fmla="*/ 3233551 w 4446529"/>
+              <a:gd name="connsiteY5" fmla="*/ 6858000 h 6858000"/>
+              <a:gd name="connsiteX6" fmla="*/ 0 w 4446529"/>
+              <a:gd name="connsiteY6" fmla="*/ 6858000 h 6858000"/>
+            </a:gdLst>
+            <a:ahLst/>
+            <a:cxnLst>
+              <a:cxn ang="0">
+                <a:pos x="connsiteX0" y="connsiteY0"/>
+              </a:cxn>
+              <a:cxn ang="0">
+                <a:pos x="connsiteX1" y="connsiteY1"/>
+              </a:cxn>
+              <a:cxn ang="0">
+                <a:pos x="connsiteX2" y="connsiteY2"/>
+              </a:cxn>
+              <a:cxn ang="0">
+                <a:pos x="connsiteX3" y="connsiteY3"/>
+              </a:cxn>
+              <a:cxn ang="0">
+                <a:pos x="connsiteX4" y="connsiteY4"/>
+              </a:cxn>
+              <a:cxn ang="0">
+                <a:pos x="connsiteX5" y="connsiteY5"/>
+              </a:cxn>
+              <a:cxn ang="0">
+                <a:pos x="connsiteX6" y="connsiteY6"/>
+              </a:cxn>
+            </a:cxnLst>
+            <a:rect l="l" t="t" r="r" b="b"/>
+            <a:pathLst>
+              <a:path w="4446529" h="6858000">
+                <a:moveTo>
+                  <a:pt x="0" y="0"/>
+                </a:moveTo>
+                <a:lnTo>
+                  <a:pt x="3233551" y="0"/>
+                </a:lnTo>
+                <a:lnTo>
+                  <a:pt x="3296534" y="69271"/>
+                </a:lnTo>
+                <a:cubicBezTo>
+                  <a:pt x="4007060" y="929100"/>
+                  <a:pt x="4446529" y="2116944"/>
+                  <a:pt x="4446529" y="3429000"/>
+                </a:cubicBezTo>
+                <a:cubicBezTo>
+                  <a:pt x="4446529" y="4741056"/>
+                  <a:pt x="4007060" y="5928900"/>
+                  <a:pt x="3296534" y="6788730"/>
+                </a:cubicBezTo>
+                <a:lnTo>
+                  <a:pt x="3233551" y="6858000"/>
+                </a:lnTo>
+                <a:lnTo>
+                  <a:pt x="0" y="6858000"/>
+                </a:lnTo>
+                <a:close/>
+              </a:path>
+            </a:pathLst>
+          </a:custGeom>
+          <a:ln w="9525">
+            <a:noFill/>
+          </a:ln>
+          <a:effectLst/>
+        </p:spPr>
+        <p:style>
+          <a:lnRef idx="2">
+            <a:schemeClr val="accent1">
+              <a:shade val="50000"/>
+            </a:schemeClr>
+          </a:lnRef>
+          <a:fillRef idx="1">
+            <a:schemeClr val="accent1"/>
+          </a:fillRef>
+          <a:effectRef idx="0">
+            <a:schemeClr val="accent1"/>
+          </a:effectRef>
+          <a:fontRef idx="minor">
+            <a:schemeClr val="lt1"/>
+          </a:fontRef>
+        </p:style>
+        <p:txBody>
+          <a:bodyPr wrap="square" rtlCol="0" anchor="ctr">
+            <a:noAutofit/>
+          </a:bodyPr>
+          <a:lstStyle/>
+          <a:p>
+            <a:pPr marL="0" marR="0" lvl="0" indent="0" algn="ctr" defTabSz="914400" rtl="0" eaLnBrk="1" fontAlgn="auto" latinLnBrk="0" hangingPunct="1">
+              <a:lnSpc>
+                <a:spcPct val="100000"/>
+              </a:lnSpc>
+              <a:spcBef>
+                <a:spcPts val="0"/>
+              </a:spcBef>
+              <a:spcAft>
+                <a:spcPts val="0"/>
+              </a:spcAft>
+              <a:buClrTx/>
+              <a:buSzTx/>
+              <a:buFontTx/>
+              <a:buNone/>
+              <a:tabLst/>
+              <a:defRPr/>
+            </a:pPr>
+            <a:endParaRPr kumimoji="0" lang="en-US" sz="1800" b="0" i="0" u="none" strike="noStrike" kern="1200" cap="none" spc="0" normalizeH="0" baseline="0" noProof="0">
+              <a:ln>
+                <a:noFill/>
+              </a:ln>
+              <a:solidFill>
+                <a:prstClr val="white"/>
+              </a:solidFill>
+              <a:effectLst/>
+              <a:uLnTx/>
+              <a:uFillTx/>
+              <a:latin typeface="Calibri" panose="020F0502020204030204"/>
+              <a:ea typeface="+mn-ea"/>
+              <a:cs typeface="+mn-cs"/>
+            </a:endParaRPr>
+          </a:p>
+        </p:txBody>
+      </p:sp>
       <p:sp>
         <p:nvSpPr>
           <p:cNvPr id="2" name="Title 1">
@@ -6210,15 +6613,190 @@
             <p:ph type="title"/>
           </p:nvPr>
         </p:nvSpPr>
-        <p:spPr/>
+        <p:spPr>
+          <a:xfrm>
+            <a:off x="371094" y="1161288"/>
+            <a:ext cx="3438144" cy="1239012"/>
+          </a:xfrm>
+        </p:spPr>
         <p:txBody>
-          <a:bodyPr/>
+          <a:bodyPr vert="horz" lIns="91440" tIns="45720" rIns="91440" bIns="45720" rtlCol="0" anchor="ctr">
+            <a:normAutofit/>
+          </a:bodyPr>
           <a:lstStyle/>
           <a:p>
             <a:r>
-              <a:rPr lang="en-GB" dirty="0"/>
+              <a:rPr lang="en-US" sz="2800" kern="1200">
+                <a:solidFill>
+                  <a:schemeClr val="tx1"/>
+                </a:solidFill>
+                <a:latin typeface="+mj-lt"/>
+                <a:ea typeface="+mj-ea"/>
+                <a:cs typeface="+mj-cs"/>
+              </a:rPr>
               <a:t>Tools and Resources</a:t>
             </a:r>
+          </a:p>
+        </p:txBody>
+      </p:sp>
+      <p:sp>
+        <p:nvSpPr>
+          <p:cNvPr id="17" name="Rectangle 16">
+            <a:extLst>
+              <a:ext uri="{FF2B5EF4-FFF2-40B4-BE49-F238E27FC236}">
+                <a16:creationId xmlns:a16="http://schemas.microsoft.com/office/drawing/2014/main" id="{98E79BE4-34FE-485A-98A5-92CE8F7C4743}"/>
+              </a:ext>
+              <a:ext uri="{C183D7F6-B498-43B3-948B-1728B52AA6E4}">
+                <adec:decorative xmlns:adec="http://schemas.microsoft.com/office/drawing/2017/decorative" val="1"/>
+              </a:ext>
+            </a:extLst>
+          </p:cNvPr>
+          <p:cNvSpPr>
+            <a:spLocks noGrp="1" noRot="1" noChangeAspect="1" noMove="1" noResize="1" noEditPoints="1" noAdjustHandles="1" noChangeArrowheads="1" noChangeShapeType="1" noTextEdit="1"/>
+          </p:cNvSpPr>
+          <p:nvPr>
+            <p:extLst>
+              <p:ext uri="{386F3935-93C4-4BCD-93E2-E3B085C9AB24}">
+                <p16:designElem xmlns:p16="http://schemas.microsoft.com/office/powerpoint/2015/main" val="1"/>
+              </p:ext>
+            </p:extLst>
+          </p:nvPr>
+        </p:nvSpPr>
+        <p:spPr>
+          <a:xfrm>
+            <a:off x="0" y="1426546"/>
+            <a:ext cx="128016" cy="653903"/>
+          </a:xfrm>
+          <a:prstGeom prst="rect">
+            <a:avLst/>
+          </a:prstGeom>
+          <a:solidFill>
+            <a:schemeClr val="accent2"/>
+          </a:solidFill>
+          <a:ln>
+            <a:noFill/>
+          </a:ln>
+        </p:spPr>
+        <p:style>
+          <a:lnRef idx="2">
+            <a:schemeClr val="accent1">
+              <a:shade val="50000"/>
+            </a:schemeClr>
+          </a:lnRef>
+          <a:fillRef idx="1">
+            <a:schemeClr val="accent1"/>
+          </a:fillRef>
+          <a:effectRef idx="0">
+            <a:schemeClr val="accent1"/>
+          </a:effectRef>
+          <a:fontRef idx="minor">
+            <a:schemeClr val="lt1"/>
+          </a:fontRef>
+        </p:style>
+        <p:txBody>
+          <a:bodyPr rtlCol="0" anchor="ctr"/>
+          <a:lstStyle/>
+          <a:p>
+            <a:pPr algn="ctr"/>
+            <a:endParaRPr lang="en-US">
+              <a:solidFill>
+                <a:prstClr val="white"/>
+              </a:solidFill>
+              <a:latin typeface="Calibri" panose="020F0502020204030204"/>
+            </a:endParaRPr>
+          </a:p>
+        </p:txBody>
+      </p:sp>
+      <p:sp>
+        <p:nvSpPr>
+          <p:cNvPr id="19" name="Rectangle 18">
+            <a:extLst>
+              <a:ext uri="{FF2B5EF4-FFF2-40B4-BE49-F238E27FC236}">
+                <a16:creationId xmlns:a16="http://schemas.microsoft.com/office/drawing/2014/main" id="{7A5F0580-5EE9-419F-96EE-B6529EF6E7D0}"/>
+              </a:ext>
+              <a:ext uri="{C183D7F6-B498-43B3-948B-1728B52AA6E4}">
+                <adec:decorative xmlns:adec="http://schemas.microsoft.com/office/drawing/2017/decorative" val="1"/>
+              </a:ext>
+            </a:extLst>
+          </p:cNvPr>
+          <p:cNvSpPr>
+            <a:spLocks noGrp="1" noRot="1" noChangeAspect="1" noMove="1" noResize="1" noEditPoints="1" noAdjustHandles="1" noChangeArrowheads="1" noChangeShapeType="1" noTextEdit="1"/>
+          </p:cNvSpPr>
+          <p:nvPr>
+            <p:extLst>
+              <p:ext uri="{386F3935-93C4-4BCD-93E2-E3B085C9AB24}">
+                <p16:designElem xmlns:p16="http://schemas.microsoft.com/office/powerpoint/2015/main" val="1"/>
+              </p:ext>
+            </p:extLst>
+          </p:nvPr>
+        </p:nvSpPr>
+        <p:spPr>
+          <a:xfrm>
+            <a:off x="395893" y="2443480"/>
+            <a:ext cx="3383280" cy="18288"/>
+          </a:xfrm>
+          <a:prstGeom prst="rect">
+            <a:avLst/>
+          </a:prstGeom>
+          <a:solidFill>
+            <a:srgbClr val="D5D5D5"/>
+          </a:solidFill>
+          <a:ln w="3175">
+            <a:noFill/>
+          </a:ln>
+          <a:effectLst/>
+        </p:spPr>
+        <p:style>
+          <a:lnRef idx="2">
+            <a:schemeClr val="accent1">
+              <a:shade val="50000"/>
+            </a:schemeClr>
+          </a:lnRef>
+          <a:fillRef idx="1">
+            <a:schemeClr val="accent1"/>
+          </a:fillRef>
+          <a:effectRef idx="0">
+            <a:schemeClr val="accent1"/>
+          </a:effectRef>
+          <a:fontRef idx="minor">
+            <a:schemeClr val="lt1"/>
+          </a:fontRef>
+        </p:style>
+        <p:txBody>
+          <a:bodyPr rtlCol="0" anchor="ctr"/>
+          <a:lstStyle/>
+          <a:p>
+            <a:pPr marL="0" marR="0" lvl="0" indent="0" algn="ctr" defTabSz="914400" rtl="0" eaLnBrk="1" fontAlgn="auto" latinLnBrk="0" hangingPunct="1">
+              <a:lnSpc>
+                <a:spcPct val="100000"/>
+              </a:lnSpc>
+              <a:spcBef>
+                <a:spcPts val="0"/>
+              </a:spcBef>
+              <a:spcAft>
+                <a:spcPts val="0"/>
+              </a:spcAft>
+              <a:buClrTx/>
+              <a:buSzTx/>
+              <a:buFontTx/>
+              <a:buNone/>
+              <a:tabLst/>
+              <a:defRPr/>
+            </a:pPr>
+            <a:endParaRPr kumimoji="0" lang="en-US" sz="1800" b="0" i="0" u="none" strike="noStrike" kern="1200" cap="none" spc="0" normalizeH="0" baseline="0" noProof="0">
+              <a:ln>
+                <a:noFill/>
+              </a:ln>
+              <a:solidFill>
+                <a:prstClr val="white"/>
+              </a:solidFill>
+              <a:effectLst/>
+              <a:uLnTx/>
+              <a:uFillTx/>
+              <a:latin typeface="Calibri" panose="020F0502020204030204"/>
+              <a:ea typeface="+mn-ea"/>
+              <a:cs typeface="+mn-cs"/>
+            </a:endParaRPr>
           </a:p>
         </p:txBody>
       </p:sp>
@@ -6238,35 +6816,107 @@
             <p:ph idx="1"/>
           </p:nvPr>
         </p:nvSpPr>
-        <p:spPr/>
+        <p:spPr>
+          <a:xfrm>
+            <a:off x="371094" y="2718054"/>
+            <a:ext cx="3438906" cy="3207258"/>
+          </a:xfrm>
+        </p:spPr>
         <p:txBody>
-          <a:bodyPr/>
+          <a:bodyPr vert="horz" lIns="91440" tIns="45720" rIns="91440" bIns="45720" rtlCol="0" anchor="t">
+            <a:normAutofit/>
+          </a:bodyPr>
           <a:lstStyle/>
           <a:p>
+            <a:pPr>
+              <a:buFont typeface="Arial" panose="020B0604020202020204" pitchFamily="34" charset="0"/>
+              <a:buChar char="•"/>
+            </a:pPr>
             <a:r>
-              <a:rPr lang="en-GB" dirty="0"/>
-              <a:t>Software: </a:t>
+              <a:rPr lang="en-US" sz="1700"/>
+              <a:t>Software: Pytorch, OpenCV</a:t>
             </a:r>
+          </a:p>
+          <a:p>
+            <a:pPr>
+              <a:buFont typeface="Arial" panose="020B0604020202020204" pitchFamily="34" charset="0"/>
+              <a:buChar char="•"/>
+            </a:pPr>
             <a:r>
-              <a:rPr lang="en-GB" dirty="0" err="1"/>
-              <a:t>Pytorch</a:t>
-            </a:r>
-            <a:r>
-              <a:rPr lang="en-GB" dirty="0"/>
-              <a:t>, OpenCV</a:t>
-            </a:r>
-          </a:p>
-          <a:p>
-            <a:r>
-              <a:rPr lang="en-GB" dirty="0"/>
+              <a:rPr lang="en-US" sz="1700"/>
               <a:t>Datasets: MNIST, CIFAR-10, COCO, UCF101</a:t>
             </a:r>
           </a:p>
           <a:p>
-            <a:endParaRPr lang="en-GB" dirty="0"/>
+            <a:pPr>
+              <a:buFont typeface="Arial" panose="020B0604020202020204" pitchFamily="34" charset="0"/>
+              <a:buChar char="•"/>
+            </a:pPr>
+            <a:r>
+              <a:rPr lang="en-US" sz="1700"/>
+              <a:t>Fork this repository https://github.com/exponentialR/DL4CV</a:t>
+            </a:r>
+          </a:p>
+          <a:p>
+            <a:pPr>
+              <a:buFont typeface="Arial" panose="020B0604020202020204" pitchFamily="34" charset="0"/>
+              <a:buChar char="•"/>
+            </a:pPr>
+            <a:r>
+              <a:rPr lang="en-US" sz="1700">
+                <a:hlinkClick r:id="rId4"/>
+              </a:rPr>
+              <a:t>Google Colab Demonstration</a:t>
+            </a:r>
+            <a:endParaRPr lang="en-US" sz="1700"/>
+          </a:p>
+          <a:p>
+            <a:pPr>
+              <a:buFont typeface="Arial" panose="020B0604020202020204" pitchFamily="34" charset="0"/>
+              <a:buChar char="•"/>
+            </a:pPr>
+            <a:endParaRPr lang="en-US" sz="1700"/>
           </a:p>
         </p:txBody>
       </p:sp>
+      <p:pic>
+        <p:nvPicPr>
+          <p:cNvPr id="7" name="Screen Recording 6">
+            <a:hlinkClick r:id="" action="ppaction://media"/>
+            <a:extLst>
+              <a:ext uri="{FF2B5EF4-FFF2-40B4-BE49-F238E27FC236}">
+                <a16:creationId xmlns:a16="http://schemas.microsoft.com/office/drawing/2014/main" id="{BE8341E5-07BF-AC99-D57C-A8809CD58F62}"/>
+              </a:ext>
+            </a:extLst>
+          </p:cNvPr>
+          <p:cNvPicPr>
+            <a:picLocks noChangeAspect="1"/>
+          </p:cNvPicPr>
+          <p:nvPr>
+            <a:videoFile r:link="rId2"/>
+            <p:extLst>
+              <p:ext uri="{DAA4B4D4-6D71-4841-9C94-3DE7FCFB9230}">
+                <p14:media xmlns:p14="http://schemas.microsoft.com/office/powerpoint/2010/main" r:embed="rId1"/>
+              </p:ext>
+            </p:extLst>
+          </p:nvPr>
+        </p:nvPicPr>
+        <p:blipFill>
+          <a:blip r:embed="rId5"/>
+          <a:stretch>
+            <a:fillRect/>
+          </a:stretch>
+        </p:blipFill>
+        <p:spPr>
+          <a:xfrm>
+            <a:off x="5022850" y="0"/>
+            <a:ext cx="5651500" cy="6858000"/>
+          </a:xfrm>
+          <a:prstGeom prst="rect">
+            <a:avLst/>
+          </a:prstGeom>
+        </p:spPr>
+      </p:pic>
     </p:spTree>
     <p:extLst>
       <p:ext uri="{BB962C8B-B14F-4D97-AF65-F5344CB8AC3E}">
@@ -6277,6 +6927,141 @@
   <p:clrMapOvr>
     <a:masterClrMapping/>
   </p:clrMapOvr>
+  <p:timing>
+    <p:tnLst>
+      <p:par>
+        <p:cTn id="1" dur="indefinite" restart="never" nodeType="tmRoot">
+          <p:childTnLst>
+            <p:seq concurrent="1" nextAc="seek">
+              <p:cTn id="2" dur="indefinite" nodeType="mainSeq">
+                <p:childTnLst>
+                  <p:par>
+                    <p:cTn id="3" fill="hold">
+                      <p:stCondLst>
+                        <p:cond delay="indefinite"/>
+                      </p:stCondLst>
+                      <p:childTnLst>
+                        <p:par>
+                          <p:cTn id="4" fill="hold">
+                            <p:stCondLst>
+                              <p:cond delay="0"/>
+                            </p:stCondLst>
+                            <p:childTnLst>
+                              <p:par>
+                                <p:cTn id="5" presetID="1" presetClass="mediacall" presetSubtype="0" fill="hold" nodeType="clickEffect">
+                                  <p:stCondLst>
+                                    <p:cond delay="0"/>
+                                  </p:stCondLst>
+                                  <p:childTnLst>
+                                    <p:cmd type="call" cmd="playFrom(0.0)">
+                                      <p:cBhvr>
+                                        <p:cTn id="6" dur="18946" fill="hold"/>
+                                        <p:tgtEl>
+                                          <p:spTgt spid="7"/>
+                                        </p:tgtEl>
+                                      </p:cBhvr>
+                                    </p:cmd>
+                                  </p:childTnLst>
+                                </p:cTn>
+                              </p:par>
+                            </p:childTnLst>
+                          </p:cTn>
+                        </p:par>
+                      </p:childTnLst>
+                    </p:cTn>
+                  </p:par>
+                </p:childTnLst>
+              </p:cTn>
+              <p:prevCondLst>
+                <p:cond evt="onPrev" delay="0">
+                  <p:tgtEl>
+                    <p:sldTgt/>
+                  </p:tgtEl>
+                </p:cond>
+              </p:prevCondLst>
+              <p:nextCondLst>
+                <p:cond evt="onNext" delay="0">
+                  <p:tgtEl>
+                    <p:sldTgt/>
+                  </p:tgtEl>
+                </p:cond>
+              </p:nextCondLst>
+            </p:seq>
+            <p:video>
+              <p:cMediaNode vol="80000">
+                <p:cTn id="7" fill="hold" display="0">
+                  <p:stCondLst>
+                    <p:cond delay="indefinite"/>
+                  </p:stCondLst>
+                </p:cTn>
+                <p:tgtEl>
+                  <p:spTgt spid="7"/>
+                </p:tgtEl>
+              </p:cMediaNode>
+            </p:video>
+            <p:seq concurrent="1" nextAc="seek">
+              <p:cTn id="8" restart="whenNotActive" fill="hold" evtFilter="cancelBubble" nodeType="interactiveSeq">
+                <p:stCondLst>
+                  <p:cond evt="onClick" delay="0">
+                    <p:tgtEl>
+                      <p:spTgt spid="7"/>
+                    </p:tgtEl>
+                  </p:cond>
+                </p:stCondLst>
+                <p:endSync evt="end" delay="0">
+                  <p:rtn val="all"/>
+                </p:endSync>
+                <p:childTnLst>
+                  <p:par>
+                    <p:cTn id="9" fill="hold">
+                      <p:stCondLst>
+                        <p:cond delay="0"/>
+                      </p:stCondLst>
+                      <p:childTnLst>
+                        <p:par>
+                          <p:cTn id="10" fill="hold">
+                            <p:stCondLst>
+                              <p:cond delay="0"/>
+                            </p:stCondLst>
+                            <p:childTnLst>
+                              <p:par>
+                                <p:cTn id="11" presetID="2" presetClass="mediacall" presetSubtype="0" fill="hold" nodeType="clickEffect">
+                                  <p:stCondLst>
+                                    <p:cond delay="0"/>
+                                  </p:stCondLst>
+                                  <p:childTnLst>
+                                    <p:cmd type="call" cmd="togglePause">
+                                      <p:cBhvr>
+                                        <p:cTn id="12" dur="1" fill="hold"/>
+                                        <p:tgtEl>
+                                          <p:spTgt spid="7"/>
+                                        </p:tgtEl>
+                                      </p:cBhvr>
+                                    </p:cmd>
+                                  </p:childTnLst>
+                                </p:cTn>
+                              </p:par>
+                            </p:childTnLst>
+                          </p:cTn>
+                        </p:par>
+                      </p:childTnLst>
+                    </p:cTn>
+                  </p:par>
+                </p:childTnLst>
+              </p:cTn>
+              <p:nextCondLst>
+                <p:cond evt="onClick" delay="0">
+                  <p:tgtEl>
+                    <p:spTgt spid="7"/>
+                  </p:tgtEl>
+                </p:cond>
+              </p:nextCondLst>
+            </p:seq>
+          </p:childTnLst>
+        </p:cTn>
+      </p:par>
+    </p:tnLst>
+  </p:timing>
 </p:sld>
 </file>
 
@@ -11069,6 +11854,23 @@
 </file>
 
 <file path=customXml/item1.xml><?xml version="1.0" encoding="utf-8"?>
+<p:properties xmlns:p="http://schemas.microsoft.com/office/2006/metadata/properties" xmlns:xsi="http://www.w3.org/2001/XMLSchema-instance" xmlns:pc="http://schemas.microsoft.com/office/infopath/2007/PartnerControls">
+  <documentManagement>
+    <_activity xmlns="05134dd9-c034-4942-b2d7-fbd1eafcac92" xsi:nil="true"/>
+  </documentManagement>
+</p:properties>
+</file>
+
+<file path=customXml/item2.xml><?xml version="1.0" encoding="utf-8"?>
+<?mso-contentType ?>
+<FormTemplates xmlns="http://schemas.microsoft.com/sharepoint/v3/contenttype/forms">
+  <Display>DocumentLibraryForm</Display>
+  <Edit>DocumentLibraryForm</Edit>
+  <New>DocumentLibraryForm</New>
+</FormTemplates>
+</file>
+
+<file path=customXml/item3.xml><?xml version="1.0" encoding="utf-8"?>
 <ct:contentTypeSchema xmlns:ct="http://schemas.microsoft.com/office/2006/metadata/contentType" xmlns:ma="http://schemas.microsoft.com/office/2006/metadata/properties/metaAttributes" ct:_="" ma:_="" ma:contentTypeName="Document" ma:contentTypeID="0x0101002A7ED06A76BCB4498FC2C5C62673B35A" ma:contentTypeVersion="6" ma:contentTypeDescription="Create a new document." ma:contentTypeScope="" ma:versionID="d7423cdd8774633b87ff54a088915c1a">
   <xsd:schema xmlns:xsd="http://www.w3.org/2001/XMLSchema" xmlns:xs="http://www.w3.org/2001/XMLSchema" xmlns:p="http://schemas.microsoft.com/office/2006/metadata/properties" xmlns:ns3="05134dd9-c034-4942-b2d7-fbd1eafcac92" xmlns:ns4="43d65d49-6ab5-4b4b-8a89-49aeed78adf8" targetNamespace="http://schemas.microsoft.com/office/2006/metadata/properties" ma:root="true" ma:fieldsID="692f76f97a08b68f651c822524154e1b" ns3:_="" ns4:_="">
     <xsd:import namespace="05134dd9-c034-4942-b2d7-fbd1eafcac92"/>
@@ -11245,24 +12047,32 @@
 </ct:contentTypeSchema>
 </file>
 
-<file path=customXml/item2.xml><?xml version="1.0" encoding="utf-8"?>
-<?mso-contentType ?>
-<FormTemplates xmlns="http://schemas.microsoft.com/sharepoint/v3/contenttype/forms">
-  <Display>DocumentLibraryForm</Display>
-  <Edit>DocumentLibraryForm</Edit>
-  <New>DocumentLibraryForm</New>
-</FormTemplates>
+<file path=customXml/itemProps1.xml><?xml version="1.0" encoding="utf-8"?>
+<ds:datastoreItem xmlns:ds="http://schemas.openxmlformats.org/officeDocument/2006/customXml" ds:itemID="{99F9C559-DDDE-42D5-A039-6AFB890D9939}">
+  <ds:schemaRefs>
+    <ds:schemaRef ds:uri="05134dd9-c034-4942-b2d7-fbd1eafcac92"/>
+    <ds:schemaRef ds:uri="http://schemas.microsoft.com/office/2006/documentManagement/types"/>
+    <ds:schemaRef ds:uri="http://purl.org/dc/elements/1.1/"/>
+    <ds:schemaRef ds:uri="http://www.w3.org/XML/1998/namespace"/>
+    <ds:schemaRef ds:uri="http://purl.org/dc/dcmitype/"/>
+    <ds:schemaRef ds:uri="http://schemas.microsoft.com/office/2006/metadata/properties"/>
+    <ds:schemaRef ds:uri="http://schemas.microsoft.com/office/infopath/2007/PartnerControls"/>
+    <ds:schemaRef ds:uri="http://schemas.openxmlformats.org/package/2006/metadata/core-properties"/>
+    <ds:schemaRef ds:uri="43d65d49-6ab5-4b4b-8a89-49aeed78adf8"/>
+    <ds:schemaRef ds:uri="http://purl.org/dc/terms/"/>
+  </ds:schemaRefs>
+</ds:datastoreItem>
 </file>
 
-<file path=customXml/item3.xml><?xml version="1.0" encoding="utf-8"?>
-<p:properties xmlns:p="http://schemas.microsoft.com/office/2006/metadata/properties" xmlns:xsi="http://www.w3.org/2001/XMLSchema-instance" xmlns:pc="http://schemas.microsoft.com/office/infopath/2007/PartnerControls">
-  <documentManagement>
-    <_activity xmlns="05134dd9-c034-4942-b2d7-fbd1eafcac92" xsi:nil="true"/>
-  </documentManagement>
-</p:properties>
+<file path=customXml/itemProps2.xml><?xml version="1.0" encoding="utf-8"?>
+<ds:datastoreItem xmlns:ds="http://schemas.openxmlformats.org/officeDocument/2006/customXml" ds:itemID="{BFDE277E-6EEC-40D1-AE2B-3070E42E7325}">
+  <ds:schemaRefs>
+    <ds:schemaRef ds:uri="http://schemas.microsoft.com/sharepoint/v3/contenttype/forms"/>
+  </ds:schemaRefs>
+</ds:datastoreItem>
 </file>
 
-<file path=customXml/itemProps1.xml><?xml version="1.0" encoding="utf-8"?>
+<file path=customXml/itemProps3.xml><?xml version="1.0" encoding="utf-8"?>
 <ds:datastoreItem xmlns:ds="http://schemas.openxmlformats.org/officeDocument/2006/customXml" ds:itemID="{BFF23B9D-9796-4B98-B7BE-452B5396C6BC}">
   <ds:schemaRefs>
     <ds:schemaRef ds:uri="http://schemas.microsoft.com/office/2006/metadata/contentType"/>
@@ -11279,29 +12089,4 @@
     <ds:schemaRef ds:uri="http://schemas.microsoft.com/internal/obd"/>
   </ds:schemaRefs>
 </ds:datastoreItem>
-</file>
-
-<file path=customXml/itemProps2.xml><?xml version="1.0" encoding="utf-8"?>
-<ds:datastoreItem xmlns:ds="http://schemas.openxmlformats.org/officeDocument/2006/customXml" ds:itemID="{BFDE277E-6EEC-40D1-AE2B-3070E42E7325}">
-  <ds:schemaRefs>
-    <ds:schemaRef ds:uri="http://schemas.microsoft.com/sharepoint/v3/contenttype/forms"/>
-  </ds:schemaRefs>
-</ds:datastoreItem>
-</file>
-
-<file path=customXml/itemProps3.xml><?xml version="1.0" encoding="utf-8"?>
-<ds:datastoreItem xmlns:ds="http://schemas.openxmlformats.org/officeDocument/2006/customXml" ds:itemID="{99F9C559-DDDE-42D5-A039-6AFB890D9939}">
-  <ds:schemaRefs>
-    <ds:schemaRef ds:uri="05134dd9-c034-4942-b2d7-fbd1eafcac92"/>
-    <ds:schemaRef ds:uri="http://schemas.microsoft.com/office/2006/documentManagement/types"/>
-    <ds:schemaRef ds:uri="http://purl.org/dc/elements/1.1/"/>
-    <ds:schemaRef ds:uri="http://www.w3.org/XML/1998/namespace"/>
-    <ds:schemaRef ds:uri="http://purl.org/dc/dcmitype/"/>
-    <ds:schemaRef ds:uri="http://schemas.microsoft.com/office/2006/metadata/properties"/>
-    <ds:schemaRef ds:uri="http://schemas.microsoft.com/office/infopath/2007/PartnerControls"/>
-    <ds:schemaRef ds:uri="http://schemas.openxmlformats.org/package/2006/metadata/core-properties"/>
-    <ds:schemaRef ds:uri="43d65d49-6ab5-4b4b-8a89-49aeed78adf8"/>
-    <ds:schemaRef ds:uri="http://purl.org/dc/terms/"/>
-  </ds:schemaRefs>
-</ds:datastoreItem>
 </file>
--- a/Day-1-Intro-to-CV/1.0 - Course Overview.pptx
+++ b/Day-1-Intro-to-CV/1.0 - Course Overview.pptx
@@ -5,18 +5,19 @@
     <p:sldMasterId id="2147483648" r:id="rId4"/>
   </p:sldMasterIdLst>
   <p:notesMasterIdLst>
-    <p:notesMasterId r:id="rId14"/>
+    <p:notesMasterId r:id="rId15"/>
   </p:notesMasterIdLst>
   <p:sldIdLst>
     <p:sldId id="256" r:id="rId5"/>
-    <p:sldId id="303" r:id="rId6"/>
-    <p:sldId id="304" r:id="rId7"/>
-    <p:sldId id="305" r:id="rId8"/>
-    <p:sldId id="306" r:id="rId9"/>
-    <p:sldId id="307" r:id="rId10"/>
-    <p:sldId id="308" r:id="rId11"/>
-    <p:sldId id="309" r:id="rId12"/>
-    <p:sldId id="302" r:id="rId13"/>
+    <p:sldId id="310" r:id="rId6"/>
+    <p:sldId id="303" r:id="rId7"/>
+    <p:sldId id="304" r:id="rId8"/>
+    <p:sldId id="305" r:id="rId9"/>
+    <p:sldId id="306" r:id="rId10"/>
+    <p:sldId id="307" r:id="rId11"/>
+    <p:sldId id="308" r:id="rId12"/>
+    <p:sldId id="309" r:id="rId13"/>
+    <p:sldId id="302" r:id="rId14"/>
   </p:sldIdLst>
   <p:sldSz cx="12192000" cy="6858000"/>
   <p:notesSz cx="6858000" cy="9144000"/>
@@ -126,7 +127,7 @@
 <file path=ppt/revisionInfo.xml><?xml version="1.0" encoding="utf-8"?>
 <p1510:revInfo xmlns:a="http://schemas.openxmlformats.org/drawingml/2006/main" xmlns:r="http://schemas.openxmlformats.org/officeDocument/2006/relationships" xmlns:p1510="http://schemas.microsoft.com/office/powerpoint/2015/10/main">
   <p1510:revLst>
-    <p1510:client id="{7C7DF3B2-4138-4F39-82CB-4ECF88A83978}" v="134" dt="2024-08-18T18:50:41.020"/>
+    <p1510:client id="{7C7DF3B2-4138-4F39-82CB-4ECF88A83978}" v="182" dt="2024-08-19T21:51:37.399"/>
   </p1510:revLst>
 </p1510:revInfo>
 </file>
@@ -136,7 +137,7 @@
   <pc:docChgLst>
     <pc:chgData name="Samuel Adebayo (SAdebayo)" userId="b2148acf-58f9-4dce-98a3-9dd9a651296f" providerId="ADAL" clId="{7C7DF3B2-4138-4F39-82CB-4ECF88A83978}"/>
     <pc:docChg chg="undo custSel addSld delSld modSld">
-      <pc:chgData name="Samuel Adebayo (SAdebayo)" userId="b2148acf-58f9-4dce-98a3-9dd9a651296f" providerId="ADAL" clId="{7C7DF3B2-4138-4F39-82CB-4ECF88A83978}" dt="2024-08-18T19:05:21.542" v="552" actId="20577"/>
+      <pc:chgData name="Samuel Adebayo (SAdebayo)" userId="b2148acf-58f9-4dce-98a3-9dd9a651296f" providerId="ADAL" clId="{7C7DF3B2-4138-4F39-82CB-4ECF88A83978}" dt="2024-08-20T09:03:47.139" v="854" actId="1076"/>
       <pc:docMkLst>
         <pc:docMk/>
       </pc:docMkLst>
@@ -163,7 +164,7 @@
         </pc:sldMkLst>
       </pc:sldChg>
       <pc:sldChg chg="addSp delSp modSp new mod modAnim">
-        <pc:chgData name="Samuel Adebayo (SAdebayo)" userId="b2148acf-58f9-4dce-98a3-9dd9a651296f" providerId="ADAL" clId="{7C7DF3B2-4138-4F39-82CB-4ECF88A83978}" dt="2024-08-18T18:50:01.460" v="82"/>
+        <pc:chgData name="Samuel Adebayo (SAdebayo)" userId="b2148acf-58f9-4dce-98a3-9dd9a651296f" providerId="ADAL" clId="{7C7DF3B2-4138-4F39-82CB-4ECF88A83978}" dt="2024-08-19T21:51:37.399" v="600" actId="20577"/>
         <pc:sldMkLst>
           <pc:docMk/>
           <pc:sldMk cId="2683509230" sldId="303"/>
@@ -177,7 +178,7 @@
           </ac:spMkLst>
         </pc:spChg>
         <pc:spChg chg="add del mod">
-          <ac:chgData name="Samuel Adebayo (SAdebayo)" userId="b2148acf-58f9-4dce-98a3-9dd9a651296f" providerId="ADAL" clId="{7C7DF3B2-4138-4F39-82CB-4ECF88A83978}" dt="2024-08-18T18:49:54.869" v="81" actId="123"/>
+          <ac:chgData name="Samuel Adebayo (SAdebayo)" userId="b2148acf-58f9-4dce-98a3-9dd9a651296f" providerId="ADAL" clId="{7C7DF3B2-4138-4F39-82CB-4ECF88A83978}" dt="2024-08-19T21:51:37.399" v="600" actId="20577"/>
           <ac:spMkLst>
             <pc:docMk/>
             <pc:sldMk cId="2683509230" sldId="303"/>
@@ -201,8 +202,8 @@
           </ac:spMkLst>
         </pc:spChg>
       </pc:sldChg>
-      <pc:sldChg chg="modSp new">
-        <pc:chgData name="Samuel Adebayo (SAdebayo)" userId="b2148acf-58f9-4dce-98a3-9dd9a651296f" providerId="ADAL" clId="{7C7DF3B2-4138-4F39-82CB-4ECF88A83978}" dt="2024-08-18T18:50:41.020" v="206" actId="20577"/>
+      <pc:sldChg chg="modSp new mod">
+        <pc:chgData name="Samuel Adebayo (SAdebayo)" userId="b2148acf-58f9-4dce-98a3-9dd9a651296f" providerId="ADAL" clId="{7C7DF3B2-4138-4F39-82CB-4ECF88A83978}" dt="2024-08-19T21:51:55.496" v="605" actId="20577"/>
         <pc:sldMkLst>
           <pc:docMk/>
           <pc:sldMk cId="2621461285" sldId="304"/>
@@ -216,7 +217,7 @@
           </ac:spMkLst>
         </pc:spChg>
         <pc:spChg chg="mod">
-          <ac:chgData name="Samuel Adebayo (SAdebayo)" userId="b2148acf-58f9-4dce-98a3-9dd9a651296f" providerId="ADAL" clId="{7C7DF3B2-4138-4F39-82CB-4ECF88A83978}" dt="2024-08-18T18:50:41.020" v="206" actId="20577"/>
+          <ac:chgData name="Samuel Adebayo (SAdebayo)" userId="b2148acf-58f9-4dce-98a3-9dd9a651296f" providerId="ADAL" clId="{7C7DF3B2-4138-4F39-82CB-4ECF88A83978}" dt="2024-08-19T21:51:55.496" v="605" actId="20577"/>
           <ac:spMkLst>
             <pc:docMk/>
             <pc:sldMk cId="2621461285" sldId="304"/>
@@ -269,7 +270,7 @@
         </pc:sldMkLst>
       </pc:sldChg>
       <pc:sldChg chg="modSp new mod">
-        <pc:chgData name="Samuel Adebayo (SAdebayo)" userId="b2148acf-58f9-4dce-98a3-9dd9a651296f" providerId="ADAL" clId="{7C7DF3B2-4138-4F39-82CB-4ECF88A83978}" dt="2024-08-18T18:52:53.251" v="294" actId="20577"/>
+        <pc:chgData name="Samuel Adebayo (SAdebayo)" userId="b2148acf-58f9-4dce-98a3-9dd9a651296f" providerId="ADAL" clId="{7C7DF3B2-4138-4F39-82CB-4ECF88A83978}" dt="2024-08-19T21:53:21.531" v="722" actId="20577"/>
         <pc:sldMkLst>
           <pc:docMk/>
           <pc:sldMk cId="3892270133" sldId="306"/>
@@ -283,7 +284,7 @@
           </ac:spMkLst>
         </pc:spChg>
         <pc:spChg chg="mod">
-          <ac:chgData name="Samuel Adebayo (SAdebayo)" userId="b2148acf-58f9-4dce-98a3-9dd9a651296f" providerId="ADAL" clId="{7C7DF3B2-4138-4F39-82CB-4ECF88A83978}" dt="2024-08-18T18:52:53.251" v="294" actId="20577"/>
+          <ac:chgData name="Samuel Adebayo (SAdebayo)" userId="b2148acf-58f9-4dce-98a3-9dd9a651296f" providerId="ADAL" clId="{7C7DF3B2-4138-4F39-82CB-4ECF88A83978}" dt="2024-08-19T21:53:21.531" v="722" actId="20577"/>
           <ac:spMkLst>
             <pc:docMk/>
             <pc:sldMk cId="3892270133" sldId="306"/>
@@ -299,7 +300,7 @@
         </pc:sldMkLst>
       </pc:sldChg>
       <pc:sldChg chg="modSp new mod">
-        <pc:chgData name="Samuel Adebayo (SAdebayo)" userId="b2148acf-58f9-4dce-98a3-9dd9a651296f" providerId="ADAL" clId="{7C7DF3B2-4138-4F39-82CB-4ECF88A83978}" dt="2024-08-18T18:53:04.498" v="300" actId="404"/>
+        <pc:chgData name="Samuel Adebayo (SAdebayo)" userId="b2148acf-58f9-4dce-98a3-9dd9a651296f" providerId="ADAL" clId="{7C7DF3B2-4138-4F39-82CB-4ECF88A83978}" dt="2024-08-19T21:53:31.743" v="737" actId="20577"/>
         <pc:sldMkLst>
           <pc:docMk/>
           <pc:sldMk cId="3232468039" sldId="307"/>
@@ -313,7 +314,7 @@
           </ac:spMkLst>
         </pc:spChg>
         <pc:spChg chg="mod">
-          <ac:chgData name="Samuel Adebayo (SAdebayo)" userId="b2148acf-58f9-4dce-98a3-9dd9a651296f" providerId="ADAL" clId="{7C7DF3B2-4138-4F39-82CB-4ECF88A83978}" dt="2024-08-18T18:53:04.498" v="300" actId="404"/>
+          <ac:chgData name="Samuel Adebayo (SAdebayo)" userId="b2148acf-58f9-4dce-98a3-9dd9a651296f" providerId="ADAL" clId="{7C7DF3B2-4138-4F39-82CB-4ECF88A83978}" dt="2024-08-19T21:53:31.743" v="737" actId="20577"/>
           <ac:spMkLst>
             <pc:docMk/>
             <pc:sldMk cId="3232468039" sldId="307"/>
@@ -329,7 +330,7 @@
         </pc:sldMkLst>
       </pc:sldChg>
       <pc:sldChg chg="modSp new mod">
-        <pc:chgData name="Samuel Adebayo (SAdebayo)" userId="b2148acf-58f9-4dce-98a3-9dd9a651296f" providerId="ADAL" clId="{7C7DF3B2-4138-4F39-82CB-4ECF88A83978}" dt="2024-08-18T18:54:01.643" v="396" actId="20577"/>
+        <pc:chgData name="Samuel Adebayo (SAdebayo)" userId="b2148acf-58f9-4dce-98a3-9dd9a651296f" providerId="ADAL" clId="{7C7DF3B2-4138-4F39-82CB-4ECF88A83978}" dt="2024-08-19T21:53:41.606" v="738" actId="20577"/>
         <pc:sldMkLst>
           <pc:docMk/>
           <pc:sldMk cId="1317526569" sldId="308"/>
@@ -343,7 +344,7 @@
           </ac:spMkLst>
         </pc:spChg>
         <pc:spChg chg="mod">
-          <ac:chgData name="Samuel Adebayo (SAdebayo)" userId="b2148acf-58f9-4dce-98a3-9dd9a651296f" providerId="ADAL" clId="{7C7DF3B2-4138-4F39-82CB-4ECF88A83978}" dt="2024-08-18T18:54:01.643" v="396" actId="20577"/>
+          <ac:chgData name="Samuel Adebayo (SAdebayo)" userId="b2148acf-58f9-4dce-98a3-9dd9a651296f" providerId="ADAL" clId="{7C7DF3B2-4138-4F39-82CB-4ECF88A83978}" dt="2024-08-19T21:53:41.606" v="738" actId="20577"/>
           <ac:spMkLst>
             <pc:docMk/>
             <pc:sldMk cId="1317526569" sldId="308"/>
@@ -352,7 +353,7 @@
         </pc:spChg>
       </pc:sldChg>
       <pc:sldChg chg="modSp new mod">
-        <pc:chgData name="Samuel Adebayo (SAdebayo)" userId="b2148acf-58f9-4dce-98a3-9dd9a651296f" providerId="ADAL" clId="{7C7DF3B2-4138-4F39-82CB-4ECF88A83978}" dt="2024-08-18T18:54:47.784" v="520" actId="20577"/>
+        <pc:chgData name="Samuel Adebayo (SAdebayo)" userId="b2148acf-58f9-4dce-98a3-9dd9a651296f" providerId="ADAL" clId="{7C7DF3B2-4138-4F39-82CB-4ECF88A83978}" dt="2024-08-19T21:54:28.279" v="837" actId="20577"/>
         <pc:sldMkLst>
           <pc:docMk/>
           <pc:sldMk cId="367128563" sldId="309"/>
@@ -366,13 +367,44 @@
           </ac:spMkLst>
         </pc:spChg>
         <pc:spChg chg="mod">
-          <ac:chgData name="Samuel Adebayo (SAdebayo)" userId="b2148acf-58f9-4dce-98a3-9dd9a651296f" providerId="ADAL" clId="{7C7DF3B2-4138-4F39-82CB-4ECF88A83978}" dt="2024-08-18T18:54:47.784" v="520" actId="20577"/>
+          <ac:chgData name="Samuel Adebayo (SAdebayo)" userId="b2148acf-58f9-4dce-98a3-9dd9a651296f" providerId="ADAL" clId="{7C7DF3B2-4138-4F39-82CB-4ECF88A83978}" dt="2024-08-19T21:54:28.279" v="837" actId="20577"/>
           <ac:spMkLst>
             <pc:docMk/>
             <pc:sldMk cId="367128563" sldId="309"/>
             <ac:spMk id="3" creationId="{DD017A8C-014A-A12F-396A-A631E57A0D87}"/>
           </ac:spMkLst>
         </pc:spChg>
+      </pc:sldChg>
+      <pc:sldChg chg="addSp modSp new mod">
+        <pc:chgData name="Samuel Adebayo (SAdebayo)" userId="b2148acf-58f9-4dce-98a3-9dd9a651296f" providerId="ADAL" clId="{7C7DF3B2-4138-4F39-82CB-4ECF88A83978}" dt="2024-08-20T09:03:47.139" v="854" actId="1076"/>
+        <pc:sldMkLst>
+          <pc:docMk/>
+          <pc:sldMk cId="1895656085" sldId="310"/>
+        </pc:sldMkLst>
+        <pc:picChg chg="add mod">
+          <ac:chgData name="Samuel Adebayo (SAdebayo)" userId="b2148acf-58f9-4dce-98a3-9dd9a651296f" providerId="ADAL" clId="{7C7DF3B2-4138-4F39-82CB-4ECF88A83978}" dt="2024-08-20T09:03:44.357" v="853" actId="1076"/>
+          <ac:picMkLst>
+            <pc:docMk/>
+            <pc:sldMk cId="1895656085" sldId="310"/>
+            <ac:picMk id="5" creationId="{8ACB6AE2-E99D-3FEA-5EA4-A069B3E29CBB}"/>
+          </ac:picMkLst>
+        </pc:picChg>
+        <pc:picChg chg="add mod">
+          <ac:chgData name="Samuel Adebayo (SAdebayo)" userId="b2148acf-58f9-4dce-98a3-9dd9a651296f" providerId="ADAL" clId="{7C7DF3B2-4138-4F39-82CB-4ECF88A83978}" dt="2024-08-20T09:03:47.139" v="854" actId="1076"/>
+          <ac:picMkLst>
+            <pc:docMk/>
+            <pc:sldMk cId="1895656085" sldId="310"/>
+            <ac:picMk id="7" creationId="{66834BC5-9561-F9A7-510D-12CB9AE7A275}"/>
+          </ac:picMkLst>
+        </pc:picChg>
+        <pc:picChg chg="add mod">
+          <ac:chgData name="Samuel Adebayo (SAdebayo)" userId="b2148acf-58f9-4dce-98a3-9dd9a651296f" providerId="ADAL" clId="{7C7DF3B2-4138-4F39-82CB-4ECF88A83978}" dt="2024-08-20T09:03:40.359" v="850" actId="14100"/>
+          <ac:picMkLst>
+            <pc:docMk/>
+            <pc:sldMk cId="1895656085" sldId="310"/>
+            <ac:picMk id="9" creationId="{4FF035EE-3992-D60E-9587-CEA9AFC39388}"/>
+          </ac:picMkLst>
+        </pc:picChg>
       </pc:sldChg>
     </pc:docChg>
   </pc:docChgLst>
@@ -461,7 +493,7 @@
           <a:p>
             <a:fld id="{7749BA5B-2039-434B-BCF9-6E0125737D1C}" type="datetimeFigureOut">
               <a:rPr lang="en-GB" smtClean="0"/>
-              <a:t>19/08/2024</a:t>
+              <a:t>20/08/2024</a:t>
             </a:fld>
             <a:endParaRPr lang="en-GB"/>
           </a:p>
@@ -944,7 +976,7 @@
           <a:p>
             <a:fld id="{4C91E4DF-AA96-BA4B-9490-EA21B6F3B437}" type="datetime1">
               <a:rPr lang="en-GB" smtClean="0"/>
-              <a:t>19/08/2024</a:t>
+              <a:t>20/08/2024</a:t>
             </a:fld>
             <a:endParaRPr lang="en-GB"/>
           </a:p>
@@ -1114,7 +1146,7 @@
           <a:p>
             <a:fld id="{EE709486-C6CE-A643-866E-8A331E43D7D7}" type="datetime1">
               <a:rPr lang="en-GB" smtClean="0"/>
-              <a:t>19/08/2024</a:t>
+              <a:t>20/08/2024</a:t>
             </a:fld>
             <a:endParaRPr lang="en-GB"/>
           </a:p>
@@ -1294,7 +1326,7 @@
           <a:p>
             <a:fld id="{807CCDDC-20B2-E447-8E4F-0EBA179EE65B}" type="datetime1">
               <a:rPr lang="en-GB" smtClean="0"/>
-              <a:t>19/08/2024</a:t>
+              <a:t>20/08/2024</a:t>
             </a:fld>
             <a:endParaRPr lang="en-GB"/>
           </a:p>
@@ -1490,7 +1522,7 @@
           <a:p>
             <a:fld id="{276B5528-0FC0-CF43-B393-1DEAD16B3BA9}" type="datetime1">
               <a:rPr lang="en-GB" smtClean="0"/>
-              <a:t>19/08/2024</a:t>
+              <a:t>20/08/2024</a:t>
             </a:fld>
             <a:endParaRPr lang="en-GB"/>
           </a:p>
@@ -2560,7 +2592,7 @@
           <a:p>
             <a:fld id="{6E4651D6-7417-1443-8B35-892745CC3A91}" type="datetime1">
               <a:rPr lang="en-GB" smtClean="0"/>
-              <a:t>19/08/2024</a:t>
+              <a:t>20/08/2024</a:t>
             </a:fld>
             <a:endParaRPr lang="en-GB"/>
           </a:p>
@@ -2792,7 +2824,7 @@
           <a:p>
             <a:fld id="{C2FBCE66-E3B0-EF48-B168-7DDF300309BF}" type="datetime1">
               <a:rPr lang="en-GB" smtClean="0"/>
-              <a:t>19/08/2024</a:t>
+              <a:t>20/08/2024</a:t>
             </a:fld>
             <a:endParaRPr lang="en-GB"/>
           </a:p>
@@ -3159,7 +3191,7 @@
           <a:p>
             <a:fld id="{845FFBD5-4946-A442-84C7-4C8C0AB10F4F}" type="datetime1">
               <a:rPr lang="en-GB" smtClean="0"/>
-              <a:t>19/08/2024</a:t>
+              <a:t>20/08/2024</a:t>
             </a:fld>
             <a:endParaRPr lang="en-GB"/>
           </a:p>
@@ -3277,7 +3309,7 @@
           <a:p>
             <a:fld id="{B9AFF6B2-3C41-2A43-AD61-E8BEE2F21CBE}" type="datetime1">
               <a:rPr lang="en-GB" smtClean="0"/>
-              <a:t>19/08/2024</a:t>
+              <a:t>20/08/2024</a:t>
             </a:fld>
             <a:endParaRPr lang="en-GB"/>
           </a:p>
@@ -3372,7 +3404,7 @@
           <a:p>
             <a:fld id="{D3702801-DD9D-144D-A6D7-DAACB2C1B94F}" type="datetime1">
               <a:rPr lang="en-GB" smtClean="0"/>
-              <a:t>19/08/2024</a:t>
+              <a:t>20/08/2024</a:t>
             </a:fld>
             <a:endParaRPr lang="en-GB"/>
           </a:p>
@@ -3649,7 +3681,7 @@
           <a:p>
             <a:fld id="{5C445683-D338-2841-828F-F8B7A4D38D33}" type="datetime1">
               <a:rPr lang="en-GB" smtClean="0"/>
-              <a:t>19/08/2024</a:t>
+              <a:t>20/08/2024</a:t>
             </a:fld>
             <a:endParaRPr lang="en-GB"/>
           </a:p>
@@ -3902,7 +3934,7 @@
           <a:p>
             <a:fld id="{0C34D948-243F-FE41-AC1D-C51B2B65E2D2}" type="datetime1">
               <a:rPr lang="en-GB" smtClean="0"/>
-              <a:t>19/08/2024</a:t>
+              <a:t>20/08/2024</a:t>
             </a:fld>
             <a:endParaRPr lang="en-GB"/>
           </a:p>
@@ -4115,7 +4147,7 @@
           <a:p>
             <a:fld id="{FCE9F5A0-AF8F-E049-B449-BA36575A92F9}" type="datetime1">
               <a:rPr lang="en-GB" smtClean="0"/>
-              <a:t>19/08/2024</a:t>
+              <a:t>20/08/2024</a:t>
             </a:fld>
             <a:endParaRPr lang="en-GB"/>
           </a:p>
@@ -5238,1834 +5270,7 @@
 </p:sld>
 </file>
 
-<file path=ppt/slides/slide2.xml><?xml version="1.0" encoding="utf-8"?>
-<p:sld xmlns:a="http://schemas.openxmlformats.org/drawingml/2006/main" xmlns:r="http://schemas.openxmlformats.org/officeDocument/2006/relationships" xmlns:p="http://schemas.openxmlformats.org/presentationml/2006/main">
-  <p:cSld>
-    <p:spTree>
-      <p:nvGrpSpPr>
-        <p:cNvPr id="1" name=""/>
-        <p:cNvGrpSpPr/>
-        <p:nvPr/>
-      </p:nvGrpSpPr>
-      <p:grpSpPr>
-        <a:xfrm>
-          <a:off x="0" y="0"/>
-          <a:ext cx="0" cy="0"/>
-          <a:chOff x="0" y="0"/>
-          <a:chExt cx="0" cy="0"/>
-        </a:xfrm>
-      </p:grpSpPr>
-      <p:sp>
-        <p:nvSpPr>
-          <p:cNvPr id="2" name="Title 1">
-            <a:extLst>
-              <a:ext uri="{FF2B5EF4-FFF2-40B4-BE49-F238E27FC236}">
-                <a16:creationId xmlns:a16="http://schemas.microsoft.com/office/drawing/2014/main" id="{EABFC35E-CCAE-BF8D-0F96-6B98630ACD27}"/>
-              </a:ext>
-            </a:extLst>
-          </p:cNvPr>
-          <p:cNvSpPr>
-            <a:spLocks noGrp="1"/>
-          </p:cNvSpPr>
-          <p:nvPr>
-            <p:ph type="title"/>
-          </p:nvPr>
-        </p:nvSpPr>
-        <p:spPr/>
-        <p:txBody>
-          <a:bodyPr/>
-          <a:lstStyle/>
-          <a:p>
-            <a:r>
-              <a:rPr lang="en-GB" dirty="0"/>
-              <a:t>Course Objectives</a:t>
-            </a:r>
-          </a:p>
-        </p:txBody>
-      </p:sp>
-      <p:sp>
-        <p:nvSpPr>
-          <p:cNvPr id="3" name="Content Placeholder 2">
-            <a:extLst>
-              <a:ext uri="{FF2B5EF4-FFF2-40B4-BE49-F238E27FC236}">
-                <a16:creationId xmlns:a16="http://schemas.microsoft.com/office/drawing/2014/main" id="{23510F94-E070-B969-9901-2A61BD57B947}"/>
-              </a:ext>
-            </a:extLst>
-          </p:cNvPr>
-          <p:cNvSpPr>
-            <a:spLocks noGrp="1"/>
-          </p:cNvSpPr>
-          <p:nvPr>
-            <p:ph idx="1"/>
-          </p:nvPr>
-        </p:nvSpPr>
-        <p:spPr/>
-        <p:txBody>
-          <a:bodyPr/>
-          <a:lstStyle/>
-          <a:p>
-            <a:pPr algn="just"/>
-            <a:r>
-              <a:rPr lang="en-GB" dirty="0"/>
-              <a:t>Gain a foundational understanding of deep learning concepts.</a:t>
-            </a:r>
-          </a:p>
-          <a:p>
-            <a:pPr algn="just"/>
-            <a:r>
-              <a:rPr lang="en-GB" dirty="0"/>
-              <a:t>Learn to implement various Computer Vision models using TensorFlow/</a:t>
-            </a:r>
-            <a:r>
-              <a:rPr lang="en-GB" dirty="0" err="1"/>
-              <a:t>PyTorch</a:t>
-            </a:r>
-            <a:r>
-              <a:rPr lang="en-GB" dirty="0"/>
-              <a:t>.</a:t>
-            </a:r>
-          </a:p>
-          <a:p>
-            <a:pPr algn="just"/>
-            <a:r>
-              <a:rPr lang="en-GB" dirty="0"/>
-              <a:t>Explore advanced topics like Object Detection, Segmentation, RNNs, and GANs.</a:t>
-            </a:r>
-          </a:p>
-          <a:p>
-            <a:pPr algn="just"/>
-            <a:r>
-              <a:rPr lang="en-GB" dirty="0"/>
-              <a:t>Engage in hands-on projects to reinforce learning.</a:t>
-            </a:r>
-          </a:p>
-        </p:txBody>
-      </p:sp>
-    </p:spTree>
-    <p:extLst>
-      <p:ext uri="{BB962C8B-B14F-4D97-AF65-F5344CB8AC3E}">
-        <p14:creationId xmlns:p14="http://schemas.microsoft.com/office/powerpoint/2010/main" val="2683509230"/>
-      </p:ext>
-    </p:extLst>
-  </p:cSld>
-  <p:clrMapOvr>
-    <a:masterClrMapping/>
-  </p:clrMapOvr>
-  <p:timing>
-    <p:tnLst>
-      <p:par>
-        <p:cTn id="1" dur="indefinite" restart="never" nodeType="tmRoot">
-          <p:childTnLst>
-            <p:seq concurrent="1" nextAc="seek">
-              <p:cTn id="2" dur="indefinite" nodeType="mainSeq">
-                <p:childTnLst>
-                  <p:par>
-                    <p:cTn id="3" fill="hold">
-                      <p:stCondLst>
-                        <p:cond delay="indefinite"/>
-                      </p:stCondLst>
-                      <p:childTnLst>
-                        <p:par>
-                          <p:cTn id="4" fill="hold">
-                            <p:stCondLst>
-                              <p:cond delay="0"/>
-                            </p:stCondLst>
-                            <p:childTnLst>
-                              <p:par>
-                                <p:cTn id="5" presetID="10" presetClass="entr" presetSubtype="0" fill="hold" grpId="0" nodeType="clickEffect">
-                                  <p:stCondLst>
-                                    <p:cond delay="0"/>
-                                  </p:stCondLst>
-                                  <p:childTnLst>
-                                    <p:set>
-                                      <p:cBhvr>
-                                        <p:cTn id="6" dur="1" fill="hold">
-                                          <p:stCondLst>
-                                            <p:cond delay="0"/>
-                                          </p:stCondLst>
-                                        </p:cTn>
-                                        <p:tgtEl>
-                                          <p:spTgt spid="3">
-                                            <p:txEl>
-                                              <p:pRg st="0" end="0"/>
-                                            </p:txEl>
-                                          </p:spTgt>
-                                        </p:tgtEl>
-                                        <p:attrNameLst>
-                                          <p:attrName>style.visibility</p:attrName>
-                                        </p:attrNameLst>
-                                      </p:cBhvr>
-                                      <p:to>
-                                        <p:strVal val="visible"/>
-                                      </p:to>
-                                    </p:set>
-                                    <p:animEffect transition="in" filter="fade">
-                                      <p:cBhvr>
-                                        <p:cTn id="7" dur="500"/>
-                                        <p:tgtEl>
-                                          <p:spTgt spid="3">
-                                            <p:txEl>
-                                              <p:pRg st="0" end="0"/>
-                                            </p:txEl>
-                                          </p:spTgt>
-                                        </p:tgtEl>
-                                      </p:cBhvr>
-                                    </p:animEffect>
-                                  </p:childTnLst>
-                                </p:cTn>
-                              </p:par>
-                            </p:childTnLst>
-                          </p:cTn>
-                        </p:par>
-                      </p:childTnLst>
-                    </p:cTn>
-                  </p:par>
-                  <p:par>
-                    <p:cTn id="8" fill="hold">
-                      <p:stCondLst>
-                        <p:cond delay="indefinite"/>
-                      </p:stCondLst>
-                      <p:childTnLst>
-                        <p:par>
-                          <p:cTn id="9" fill="hold">
-                            <p:stCondLst>
-                              <p:cond delay="0"/>
-                            </p:stCondLst>
-                            <p:childTnLst>
-                              <p:par>
-                                <p:cTn id="10" presetID="10" presetClass="entr" presetSubtype="0" fill="hold" grpId="0" nodeType="clickEffect">
-                                  <p:stCondLst>
-                                    <p:cond delay="0"/>
-                                  </p:stCondLst>
-                                  <p:childTnLst>
-                                    <p:set>
-                                      <p:cBhvr>
-                                        <p:cTn id="11" dur="1" fill="hold">
-                                          <p:stCondLst>
-                                            <p:cond delay="0"/>
-                                          </p:stCondLst>
-                                        </p:cTn>
-                                        <p:tgtEl>
-                                          <p:spTgt spid="3">
-                                            <p:txEl>
-                                              <p:pRg st="1" end="1"/>
-                                            </p:txEl>
-                                          </p:spTgt>
-                                        </p:tgtEl>
-                                        <p:attrNameLst>
-                                          <p:attrName>style.visibility</p:attrName>
-                                        </p:attrNameLst>
-                                      </p:cBhvr>
-                                      <p:to>
-                                        <p:strVal val="visible"/>
-                                      </p:to>
-                                    </p:set>
-                                    <p:animEffect transition="in" filter="fade">
-                                      <p:cBhvr>
-                                        <p:cTn id="12" dur="500"/>
-                                        <p:tgtEl>
-                                          <p:spTgt spid="3">
-                                            <p:txEl>
-                                              <p:pRg st="1" end="1"/>
-                                            </p:txEl>
-                                          </p:spTgt>
-                                        </p:tgtEl>
-                                      </p:cBhvr>
-                                    </p:animEffect>
-                                  </p:childTnLst>
-                                </p:cTn>
-                              </p:par>
-                            </p:childTnLst>
-                          </p:cTn>
-                        </p:par>
-                      </p:childTnLst>
-                    </p:cTn>
-                  </p:par>
-                  <p:par>
-                    <p:cTn id="13" fill="hold">
-                      <p:stCondLst>
-                        <p:cond delay="indefinite"/>
-                      </p:stCondLst>
-                      <p:childTnLst>
-                        <p:par>
-                          <p:cTn id="14" fill="hold">
-                            <p:stCondLst>
-                              <p:cond delay="0"/>
-                            </p:stCondLst>
-                            <p:childTnLst>
-                              <p:par>
-                                <p:cTn id="15" presetID="10" presetClass="entr" presetSubtype="0" fill="hold" grpId="0" nodeType="clickEffect">
-                                  <p:stCondLst>
-                                    <p:cond delay="0"/>
-                                  </p:stCondLst>
-                                  <p:childTnLst>
-                                    <p:set>
-                                      <p:cBhvr>
-                                        <p:cTn id="16" dur="1" fill="hold">
-                                          <p:stCondLst>
-                                            <p:cond delay="0"/>
-                                          </p:stCondLst>
-                                        </p:cTn>
-                                        <p:tgtEl>
-                                          <p:spTgt spid="3">
-                                            <p:txEl>
-                                              <p:pRg st="2" end="2"/>
-                                            </p:txEl>
-                                          </p:spTgt>
-                                        </p:tgtEl>
-                                        <p:attrNameLst>
-                                          <p:attrName>style.visibility</p:attrName>
-                                        </p:attrNameLst>
-                                      </p:cBhvr>
-                                      <p:to>
-                                        <p:strVal val="visible"/>
-                                      </p:to>
-                                    </p:set>
-                                    <p:animEffect transition="in" filter="fade">
-                                      <p:cBhvr>
-                                        <p:cTn id="17" dur="500"/>
-                                        <p:tgtEl>
-                                          <p:spTgt spid="3">
-                                            <p:txEl>
-                                              <p:pRg st="2" end="2"/>
-                                            </p:txEl>
-                                          </p:spTgt>
-                                        </p:tgtEl>
-                                      </p:cBhvr>
-                                    </p:animEffect>
-                                  </p:childTnLst>
-                                </p:cTn>
-                              </p:par>
-                            </p:childTnLst>
-                          </p:cTn>
-                        </p:par>
-                      </p:childTnLst>
-                    </p:cTn>
-                  </p:par>
-                  <p:par>
-                    <p:cTn id="18" fill="hold">
-                      <p:stCondLst>
-                        <p:cond delay="indefinite"/>
-                      </p:stCondLst>
-                      <p:childTnLst>
-                        <p:par>
-                          <p:cTn id="19" fill="hold">
-                            <p:stCondLst>
-                              <p:cond delay="0"/>
-                            </p:stCondLst>
-                            <p:childTnLst>
-                              <p:par>
-                                <p:cTn id="20" presetID="10" presetClass="entr" presetSubtype="0" fill="hold" grpId="0" nodeType="clickEffect">
-                                  <p:stCondLst>
-                                    <p:cond delay="0"/>
-                                  </p:stCondLst>
-                                  <p:childTnLst>
-                                    <p:set>
-                                      <p:cBhvr>
-                                        <p:cTn id="21" dur="1" fill="hold">
-                                          <p:stCondLst>
-                                            <p:cond delay="0"/>
-                                          </p:stCondLst>
-                                        </p:cTn>
-                                        <p:tgtEl>
-                                          <p:spTgt spid="3">
-                                            <p:txEl>
-                                              <p:pRg st="3" end="3"/>
-                                            </p:txEl>
-                                          </p:spTgt>
-                                        </p:tgtEl>
-                                        <p:attrNameLst>
-                                          <p:attrName>style.visibility</p:attrName>
-                                        </p:attrNameLst>
-                                      </p:cBhvr>
-                                      <p:to>
-                                        <p:strVal val="visible"/>
-                                      </p:to>
-                                    </p:set>
-                                    <p:animEffect transition="in" filter="fade">
-                                      <p:cBhvr>
-                                        <p:cTn id="22" dur="500"/>
-                                        <p:tgtEl>
-                                          <p:spTgt spid="3">
-                                            <p:txEl>
-                                              <p:pRg st="3" end="3"/>
-                                            </p:txEl>
-                                          </p:spTgt>
-                                        </p:tgtEl>
-                                      </p:cBhvr>
-                                    </p:animEffect>
-                                  </p:childTnLst>
-                                </p:cTn>
-                              </p:par>
-                            </p:childTnLst>
-                          </p:cTn>
-                        </p:par>
-                      </p:childTnLst>
-                    </p:cTn>
-                  </p:par>
-                </p:childTnLst>
-              </p:cTn>
-              <p:prevCondLst>
-                <p:cond evt="onPrev" delay="0">
-                  <p:tgtEl>
-                    <p:sldTgt/>
-                  </p:tgtEl>
-                </p:cond>
-              </p:prevCondLst>
-              <p:nextCondLst>
-                <p:cond evt="onNext" delay="0">
-                  <p:tgtEl>
-                    <p:sldTgt/>
-                  </p:tgtEl>
-                </p:cond>
-              </p:nextCondLst>
-            </p:seq>
-          </p:childTnLst>
-        </p:cTn>
-      </p:par>
-    </p:tnLst>
-    <p:bldLst>
-      <p:bldP spid="3" grpId="0" build="p"/>
-    </p:bldLst>
-  </p:timing>
-</p:sld>
-</file>
-
-<file path=ppt/slides/slide3.xml><?xml version="1.0" encoding="utf-8"?>
-<p:sld xmlns:a="http://schemas.openxmlformats.org/drawingml/2006/main" xmlns:r="http://schemas.openxmlformats.org/officeDocument/2006/relationships" xmlns:p="http://schemas.openxmlformats.org/presentationml/2006/main">
-  <p:cSld>
-    <p:spTree>
-      <p:nvGrpSpPr>
-        <p:cNvPr id="1" name=""/>
-        <p:cNvGrpSpPr/>
-        <p:nvPr/>
-      </p:nvGrpSpPr>
-      <p:grpSpPr>
-        <a:xfrm>
-          <a:off x="0" y="0"/>
-          <a:ext cx="0" cy="0"/>
-          <a:chOff x="0" y="0"/>
-          <a:chExt cx="0" cy="0"/>
-        </a:xfrm>
-      </p:grpSpPr>
-      <p:sp>
-        <p:nvSpPr>
-          <p:cNvPr id="2" name="Title 1">
-            <a:extLst>
-              <a:ext uri="{FF2B5EF4-FFF2-40B4-BE49-F238E27FC236}">
-                <a16:creationId xmlns:a16="http://schemas.microsoft.com/office/drawing/2014/main" id="{EE1E1CD5-A97C-C55D-B7F3-C335696FE3EA}"/>
-              </a:ext>
-            </a:extLst>
-          </p:cNvPr>
-          <p:cNvSpPr>
-            <a:spLocks noGrp="1"/>
-          </p:cNvSpPr>
-          <p:nvPr>
-            <p:ph type="title"/>
-          </p:nvPr>
-        </p:nvSpPr>
-        <p:spPr/>
-        <p:txBody>
-          <a:bodyPr/>
-          <a:lstStyle/>
-          <a:p>
-            <a:r>
-              <a:rPr lang="en-GB" dirty="0"/>
-              <a:t>Course Structure</a:t>
-            </a:r>
-          </a:p>
-        </p:txBody>
-      </p:sp>
-      <p:sp>
-        <p:nvSpPr>
-          <p:cNvPr id="3" name="Content Placeholder 2">
-            <a:extLst>
-              <a:ext uri="{FF2B5EF4-FFF2-40B4-BE49-F238E27FC236}">
-                <a16:creationId xmlns:a16="http://schemas.microsoft.com/office/drawing/2014/main" id="{AC675313-2AB2-AC5B-3BD4-BB2FFF948506}"/>
-              </a:ext>
-            </a:extLst>
-          </p:cNvPr>
-          <p:cNvSpPr>
-            <a:spLocks noGrp="1"/>
-          </p:cNvSpPr>
-          <p:nvPr>
-            <p:ph idx="1"/>
-          </p:nvPr>
-        </p:nvSpPr>
-        <p:spPr/>
-        <p:txBody>
-          <a:bodyPr/>
-          <a:lstStyle/>
-          <a:p>
-            <a:r>
-              <a:rPr lang="en-GB" dirty="0"/>
-              <a:t>4 Days in Total</a:t>
-            </a:r>
-          </a:p>
-          <a:p>
-            <a:r>
-              <a:rPr lang="en-GB" dirty="0"/>
-              <a:t>Each day includes both lectures and hands-on sessions.</a:t>
-            </a:r>
-          </a:p>
-          <a:p>
-            <a:r>
-              <a:rPr lang="en-GB" dirty="0"/>
-              <a:t>Day 4 will focus on revision.</a:t>
-            </a:r>
-          </a:p>
-        </p:txBody>
-      </p:sp>
-    </p:spTree>
-    <p:extLst>
-      <p:ext uri="{BB962C8B-B14F-4D97-AF65-F5344CB8AC3E}">
-        <p14:creationId xmlns:p14="http://schemas.microsoft.com/office/powerpoint/2010/main" val="2621461285"/>
-      </p:ext>
-    </p:extLst>
-  </p:cSld>
-  <p:clrMapOvr>
-    <a:masterClrMapping/>
-  </p:clrMapOvr>
-</p:sld>
-</file>
-
-<file path=ppt/slides/slide4.xml><?xml version="1.0" encoding="utf-8"?>
-<p:sld xmlns:a="http://schemas.openxmlformats.org/drawingml/2006/main" xmlns:r="http://schemas.openxmlformats.org/officeDocument/2006/relationships" xmlns:p="http://schemas.openxmlformats.org/presentationml/2006/main">
-  <p:cSld>
-    <p:spTree>
-      <p:nvGrpSpPr>
-        <p:cNvPr id="1" name=""/>
-        <p:cNvGrpSpPr/>
-        <p:nvPr/>
-      </p:nvGrpSpPr>
-      <p:grpSpPr>
-        <a:xfrm>
-          <a:off x="0" y="0"/>
-          <a:ext cx="0" cy="0"/>
-          <a:chOff x="0" y="0"/>
-          <a:chExt cx="0" cy="0"/>
-        </a:xfrm>
-      </p:grpSpPr>
-      <p:sp>
-        <p:nvSpPr>
-          <p:cNvPr id="2" name="Title 1">
-            <a:extLst>
-              <a:ext uri="{FF2B5EF4-FFF2-40B4-BE49-F238E27FC236}">
-                <a16:creationId xmlns:a16="http://schemas.microsoft.com/office/drawing/2014/main" id="{73E0F1BB-58D0-69BE-27C9-053C3E32E375}"/>
-              </a:ext>
-            </a:extLst>
-          </p:cNvPr>
-          <p:cNvSpPr>
-            <a:spLocks noGrp="1"/>
-          </p:cNvSpPr>
-          <p:nvPr>
-            <p:ph type="title"/>
-          </p:nvPr>
-        </p:nvSpPr>
-        <p:spPr/>
-        <p:txBody>
-          <a:bodyPr/>
-          <a:lstStyle/>
-          <a:p>
-            <a:r>
-              <a:rPr lang="en-GB" dirty="0"/>
-              <a:t>Day 1 Overview</a:t>
-            </a:r>
-          </a:p>
-        </p:txBody>
-      </p:sp>
-      <p:sp>
-        <p:nvSpPr>
-          <p:cNvPr id="3" name="Content Placeholder 2">
-            <a:extLst>
-              <a:ext uri="{FF2B5EF4-FFF2-40B4-BE49-F238E27FC236}">
-                <a16:creationId xmlns:a16="http://schemas.microsoft.com/office/drawing/2014/main" id="{0F72DF59-44D1-9E6D-7A8B-7BA82334684B}"/>
-              </a:ext>
-            </a:extLst>
-          </p:cNvPr>
-          <p:cNvSpPr>
-            <a:spLocks noGrp="1"/>
-          </p:cNvSpPr>
-          <p:nvPr>
-            <p:ph idx="1"/>
-          </p:nvPr>
-        </p:nvSpPr>
-        <p:spPr/>
-        <p:txBody>
-          <a:bodyPr/>
-          <a:lstStyle/>
-          <a:p>
-            <a:r>
-              <a:rPr lang="en-GB" dirty="0"/>
-              <a:t>Introduction </a:t>
-            </a:r>
-            <a:r>
-              <a:rPr lang="en-GB"/>
-              <a:t>to Python</a:t>
-            </a:r>
-            <a:endParaRPr lang="en-GB" dirty="0"/>
-          </a:p>
-          <a:p>
-            <a:endParaRPr lang="en-GB" dirty="0"/>
-          </a:p>
-          <a:p>
-            <a:r>
-              <a:rPr lang="en-GB" dirty="0"/>
-              <a:t>Introduction to Deep Learning</a:t>
-            </a:r>
-          </a:p>
-          <a:p>
-            <a:endParaRPr lang="en-GB" dirty="0"/>
-          </a:p>
-          <a:p>
-            <a:r>
-              <a:rPr lang="en-GB" dirty="0"/>
-              <a:t>Basics of Computer Vision</a:t>
-            </a:r>
-          </a:p>
-          <a:p>
-            <a:endParaRPr lang="en-GB" dirty="0"/>
-          </a:p>
-          <a:p>
-            <a:r>
-              <a:rPr lang="en-GB" dirty="0"/>
-              <a:t>Introduction to Convolutional Neural Networks (CNNs)</a:t>
-            </a:r>
-          </a:p>
-          <a:p>
-            <a:endParaRPr lang="en-GB" sz="2400" b="1" i="1" dirty="0"/>
-          </a:p>
-          <a:p>
-            <a:r>
-              <a:rPr lang="en-GB" sz="2400" b="1" i="1" dirty="0"/>
-              <a:t>Hands-On: Basic Image Classification using CNNs</a:t>
-            </a:r>
-          </a:p>
-        </p:txBody>
-      </p:sp>
-    </p:spTree>
-    <p:extLst>
-      <p:ext uri="{BB962C8B-B14F-4D97-AF65-F5344CB8AC3E}">
-        <p14:creationId xmlns:p14="http://schemas.microsoft.com/office/powerpoint/2010/main" val="3166952218"/>
-      </p:ext>
-    </p:extLst>
-  </p:cSld>
-  <p:clrMapOvr>
-    <a:masterClrMapping/>
-  </p:clrMapOvr>
-</p:sld>
-</file>
-
-<file path=ppt/slides/slide5.xml><?xml version="1.0" encoding="utf-8"?>
-<p:sld xmlns:a="http://schemas.openxmlformats.org/drawingml/2006/main" xmlns:r="http://schemas.openxmlformats.org/officeDocument/2006/relationships" xmlns:p="http://schemas.openxmlformats.org/presentationml/2006/main">
-  <p:cSld>
-    <p:spTree>
-      <p:nvGrpSpPr>
-        <p:cNvPr id="1" name=""/>
-        <p:cNvGrpSpPr/>
-        <p:nvPr/>
-      </p:nvGrpSpPr>
-      <p:grpSpPr>
-        <a:xfrm>
-          <a:off x="0" y="0"/>
-          <a:ext cx="0" cy="0"/>
-          <a:chOff x="0" y="0"/>
-          <a:chExt cx="0" cy="0"/>
-        </a:xfrm>
-      </p:grpSpPr>
-      <p:sp>
-        <p:nvSpPr>
-          <p:cNvPr id="2" name="Title 1">
-            <a:extLst>
-              <a:ext uri="{FF2B5EF4-FFF2-40B4-BE49-F238E27FC236}">
-                <a16:creationId xmlns:a16="http://schemas.microsoft.com/office/drawing/2014/main" id="{ACF33F8E-AD66-F5CF-98AA-AEDFFAD534C7}"/>
-              </a:ext>
-            </a:extLst>
-          </p:cNvPr>
-          <p:cNvSpPr>
-            <a:spLocks noGrp="1"/>
-          </p:cNvSpPr>
-          <p:nvPr>
-            <p:ph type="title"/>
-          </p:nvPr>
-        </p:nvSpPr>
-        <p:spPr/>
-        <p:txBody>
-          <a:bodyPr/>
-          <a:lstStyle/>
-          <a:p>
-            <a:r>
-              <a:rPr lang="en-GB" dirty="0"/>
-              <a:t>Day 2: Overview</a:t>
-            </a:r>
-          </a:p>
-        </p:txBody>
-      </p:sp>
-      <p:sp>
-        <p:nvSpPr>
-          <p:cNvPr id="3" name="Content Placeholder 2">
-            <a:extLst>
-              <a:ext uri="{FF2B5EF4-FFF2-40B4-BE49-F238E27FC236}">
-                <a16:creationId xmlns:a16="http://schemas.microsoft.com/office/drawing/2014/main" id="{47C133E9-7E19-B444-FCDF-7765579A8EEA}"/>
-              </a:ext>
-            </a:extLst>
-          </p:cNvPr>
-          <p:cNvSpPr>
-            <a:spLocks noGrp="1"/>
-          </p:cNvSpPr>
-          <p:nvPr>
-            <p:ph idx="1"/>
-          </p:nvPr>
-        </p:nvSpPr>
-        <p:spPr/>
-        <p:txBody>
-          <a:bodyPr/>
-          <a:lstStyle/>
-          <a:p>
-            <a:r>
-              <a:rPr lang="en-GB" dirty="0"/>
-              <a:t>Advanced CNN Architectures</a:t>
-            </a:r>
-          </a:p>
-          <a:p>
-            <a:endParaRPr lang="en-GB" dirty="0"/>
-          </a:p>
-          <a:p>
-            <a:r>
-              <a:rPr lang="en-GB" dirty="0"/>
-              <a:t>Object Detection Techniques</a:t>
-            </a:r>
-          </a:p>
-          <a:p>
-            <a:endParaRPr lang="en-GB" dirty="0"/>
-          </a:p>
-          <a:p>
-            <a:r>
-              <a:rPr lang="en-GB" dirty="0"/>
-              <a:t>Transfer Learning and Fine-Tuning</a:t>
-            </a:r>
-          </a:p>
-          <a:p>
-            <a:endParaRPr lang="en-GB" sz="2400" b="1" i="1" dirty="0"/>
-          </a:p>
-          <a:p>
-            <a:r>
-              <a:rPr lang="en-GB" sz="2400" b="1" i="1" dirty="0"/>
-              <a:t>Hands-On: Object Detection and Transfer Learning</a:t>
-            </a:r>
-          </a:p>
-        </p:txBody>
-      </p:sp>
-    </p:spTree>
-    <p:extLst>
-      <p:ext uri="{BB962C8B-B14F-4D97-AF65-F5344CB8AC3E}">
-        <p14:creationId xmlns:p14="http://schemas.microsoft.com/office/powerpoint/2010/main" val="3892270133"/>
-      </p:ext>
-    </p:extLst>
-  </p:cSld>
-  <p:clrMapOvr>
-    <a:masterClrMapping/>
-  </p:clrMapOvr>
-</p:sld>
-</file>
-
-<file path=ppt/slides/slide6.xml><?xml version="1.0" encoding="utf-8"?>
-<p:sld xmlns:a="http://schemas.openxmlformats.org/drawingml/2006/main" xmlns:r="http://schemas.openxmlformats.org/officeDocument/2006/relationships" xmlns:p="http://schemas.openxmlformats.org/presentationml/2006/main">
-  <p:cSld>
-    <p:spTree>
-      <p:nvGrpSpPr>
-        <p:cNvPr id="1" name=""/>
-        <p:cNvGrpSpPr/>
-        <p:nvPr/>
-      </p:nvGrpSpPr>
-      <p:grpSpPr>
-        <a:xfrm>
-          <a:off x="0" y="0"/>
-          <a:ext cx="0" cy="0"/>
-          <a:chOff x="0" y="0"/>
-          <a:chExt cx="0" cy="0"/>
-        </a:xfrm>
-      </p:grpSpPr>
-      <p:sp>
-        <p:nvSpPr>
-          <p:cNvPr id="2" name="Title 1">
-            <a:extLst>
-              <a:ext uri="{FF2B5EF4-FFF2-40B4-BE49-F238E27FC236}">
-                <a16:creationId xmlns:a16="http://schemas.microsoft.com/office/drawing/2014/main" id="{620F347A-6C0A-0DC9-22FE-289E3A63AC59}"/>
-              </a:ext>
-            </a:extLst>
-          </p:cNvPr>
-          <p:cNvSpPr>
-            <a:spLocks noGrp="1"/>
-          </p:cNvSpPr>
-          <p:nvPr>
-            <p:ph type="title"/>
-          </p:nvPr>
-        </p:nvSpPr>
-        <p:spPr/>
-        <p:txBody>
-          <a:bodyPr/>
-          <a:lstStyle/>
-          <a:p>
-            <a:r>
-              <a:rPr lang="en-GB" dirty="0"/>
-              <a:t>Day 3: Overview</a:t>
-            </a:r>
-          </a:p>
-        </p:txBody>
-      </p:sp>
-      <p:sp>
-        <p:nvSpPr>
-          <p:cNvPr id="3" name="Content Placeholder 2">
-            <a:extLst>
-              <a:ext uri="{FF2B5EF4-FFF2-40B4-BE49-F238E27FC236}">
-                <a16:creationId xmlns:a16="http://schemas.microsoft.com/office/drawing/2014/main" id="{18B8ACE7-0778-1510-B41C-D949890A7E10}"/>
-              </a:ext>
-            </a:extLst>
-          </p:cNvPr>
-          <p:cNvSpPr>
-            <a:spLocks noGrp="1"/>
-          </p:cNvSpPr>
-          <p:nvPr>
-            <p:ph idx="1"/>
-          </p:nvPr>
-        </p:nvSpPr>
-        <p:spPr/>
-        <p:txBody>
-          <a:bodyPr/>
-          <a:lstStyle/>
-          <a:p>
-            <a:r>
-              <a:rPr lang="en-GB" dirty="0"/>
-              <a:t>Image Segmentation Techniques</a:t>
-            </a:r>
-          </a:p>
-          <a:p>
-            <a:endParaRPr lang="en-GB" dirty="0"/>
-          </a:p>
-          <a:p>
-            <a:r>
-              <a:rPr lang="en-GB" dirty="0"/>
-              <a:t>Introduction to RNNs, LSTMs, and GRUs</a:t>
-            </a:r>
-          </a:p>
-          <a:p>
-            <a:endParaRPr lang="en-GB" dirty="0"/>
-          </a:p>
-          <a:p>
-            <a:r>
-              <a:rPr lang="en-GB" dirty="0"/>
-              <a:t>Introduction to GANs</a:t>
-            </a:r>
-          </a:p>
-          <a:p>
-            <a:endParaRPr lang="en-GB" dirty="0"/>
-          </a:p>
-          <a:p>
-            <a:r>
-              <a:rPr lang="en-GB" sz="2400" b="1" i="1" dirty="0"/>
-              <a:t>Hands-On: Segmentation, RNNs, and GANs</a:t>
-            </a:r>
-          </a:p>
-        </p:txBody>
-      </p:sp>
-    </p:spTree>
-    <p:extLst>
-      <p:ext uri="{BB962C8B-B14F-4D97-AF65-F5344CB8AC3E}">
-        <p14:creationId xmlns:p14="http://schemas.microsoft.com/office/powerpoint/2010/main" val="3232468039"/>
-      </p:ext>
-    </p:extLst>
-  </p:cSld>
-  <p:clrMapOvr>
-    <a:masterClrMapping/>
-  </p:clrMapOvr>
-</p:sld>
-</file>
-
-<file path=ppt/slides/slide7.xml><?xml version="1.0" encoding="utf-8"?>
-<p:sld xmlns:a="http://schemas.openxmlformats.org/drawingml/2006/main" xmlns:r="http://schemas.openxmlformats.org/officeDocument/2006/relationships" xmlns:p="http://schemas.openxmlformats.org/presentationml/2006/main">
-  <p:cSld>
-    <p:spTree>
-      <p:nvGrpSpPr>
-        <p:cNvPr id="1" name=""/>
-        <p:cNvGrpSpPr/>
-        <p:nvPr/>
-      </p:nvGrpSpPr>
-      <p:grpSpPr>
-        <a:xfrm>
-          <a:off x="0" y="0"/>
-          <a:ext cx="0" cy="0"/>
-          <a:chOff x="0" y="0"/>
-          <a:chExt cx="0" cy="0"/>
-        </a:xfrm>
-      </p:grpSpPr>
-      <p:sp>
-        <p:nvSpPr>
-          <p:cNvPr id="2" name="Title 1">
-            <a:extLst>
-              <a:ext uri="{FF2B5EF4-FFF2-40B4-BE49-F238E27FC236}">
-                <a16:creationId xmlns:a16="http://schemas.microsoft.com/office/drawing/2014/main" id="{FCADE524-FECD-5A16-7155-A323FA347E16}"/>
-              </a:ext>
-            </a:extLst>
-          </p:cNvPr>
-          <p:cNvSpPr>
-            <a:spLocks noGrp="1"/>
-          </p:cNvSpPr>
-          <p:nvPr>
-            <p:ph type="title"/>
-          </p:nvPr>
-        </p:nvSpPr>
-        <p:spPr/>
-        <p:txBody>
-          <a:bodyPr/>
-          <a:lstStyle/>
-          <a:p>
-            <a:r>
-              <a:rPr lang="en-GB" dirty="0"/>
-              <a:t>Day 4: Overview</a:t>
-            </a:r>
-          </a:p>
-        </p:txBody>
-      </p:sp>
-      <p:sp>
-        <p:nvSpPr>
-          <p:cNvPr id="3" name="Content Placeholder 2">
-            <a:extLst>
-              <a:ext uri="{FF2B5EF4-FFF2-40B4-BE49-F238E27FC236}">
-                <a16:creationId xmlns:a16="http://schemas.microsoft.com/office/drawing/2014/main" id="{28C44444-029F-3E66-482A-8940441F81FE}"/>
-              </a:ext>
-            </a:extLst>
-          </p:cNvPr>
-          <p:cNvSpPr>
-            <a:spLocks noGrp="1"/>
-          </p:cNvSpPr>
-          <p:nvPr>
-            <p:ph idx="1"/>
-          </p:nvPr>
-        </p:nvSpPr>
-        <p:spPr/>
-        <p:txBody>
-          <a:bodyPr/>
-          <a:lstStyle/>
-          <a:p>
-            <a:r>
-              <a:rPr lang="en-GB" dirty="0"/>
-              <a:t>Revision and Q&amp;A</a:t>
-            </a:r>
-          </a:p>
-          <a:p>
-            <a:endParaRPr lang="en-GB" dirty="0"/>
-          </a:p>
-          <a:p>
-            <a:r>
-              <a:rPr lang="en-GB" dirty="0"/>
-              <a:t>Project Presentations and Feedback</a:t>
-            </a:r>
-          </a:p>
-        </p:txBody>
-      </p:sp>
-    </p:spTree>
-    <p:extLst>
-      <p:ext uri="{BB962C8B-B14F-4D97-AF65-F5344CB8AC3E}">
-        <p14:creationId xmlns:p14="http://schemas.microsoft.com/office/powerpoint/2010/main" val="1317526569"/>
-      </p:ext>
-    </p:extLst>
-  </p:cSld>
-  <p:clrMapOvr>
-    <a:masterClrMapping/>
-  </p:clrMapOvr>
-</p:sld>
-</file>
-
-<file path=ppt/slides/slide8.xml><?xml version="1.0" encoding="utf-8"?>
-<p:sld xmlns:a="http://schemas.openxmlformats.org/drawingml/2006/main" xmlns:r="http://schemas.openxmlformats.org/officeDocument/2006/relationships" xmlns:p="http://schemas.openxmlformats.org/presentationml/2006/main">
-  <p:cSld>
-    <p:bg>
-      <p:bgPr>
-        <a:solidFill>
-          <a:schemeClr val="bg1"/>
-        </a:solidFill>
-        <a:effectLst/>
-      </p:bgPr>
-    </p:bg>
-    <p:spTree>
-      <p:nvGrpSpPr>
-        <p:cNvPr id="1" name=""/>
-        <p:cNvGrpSpPr/>
-        <p:nvPr/>
-      </p:nvGrpSpPr>
-      <p:grpSpPr>
-        <a:xfrm>
-          <a:off x="0" y="0"/>
-          <a:ext cx="0" cy="0"/>
-          <a:chOff x="0" y="0"/>
-          <a:chExt cx="0" cy="0"/>
-        </a:xfrm>
-      </p:grpSpPr>
-      <p:sp useBgFill="1">
-        <p:nvSpPr>
-          <p:cNvPr id="11" name="Rectangle 10">
-            <a:extLst>
-              <a:ext uri="{FF2B5EF4-FFF2-40B4-BE49-F238E27FC236}">
-                <a16:creationId xmlns:a16="http://schemas.microsoft.com/office/drawing/2014/main" id="{0288C6B4-AFC3-407F-A595-EFFD38D4CCAF}"/>
-              </a:ext>
-              <a:ext uri="{C183D7F6-B498-43B3-948B-1728B52AA6E4}">
-                <adec:decorative xmlns:adec="http://schemas.microsoft.com/office/drawing/2017/decorative" val="1"/>
-              </a:ext>
-            </a:extLst>
-          </p:cNvPr>
-          <p:cNvSpPr>
-            <a:spLocks noGrp="1" noRot="1" noChangeAspect="1" noMove="1" noResize="1" noEditPoints="1" noAdjustHandles="1" noChangeArrowheads="1" noChangeShapeType="1" noTextEdit="1"/>
-          </p:cNvSpPr>
-          <p:nvPr>
-            <p:extLst>
-              <p:ext uri="{386F3935-93C4-4BCD-93E2-E3B085C9AB24}">
-                <p16:designElem xmlns:p16="http://schemas.microsoft.com/office/powerpoint/2015/main" val="1"/>
-              </p:ext>
-            </p:extLst>
-          </p:nvPr>
-        </p:nvSpPr>
-        <p:spPr>
-          <a:xfrm>
-            <a:off x="0" y="0"/>
-            <a:ext cx="12192000" cy="6858000"/>
-          </a:xfrm>
-          <a:prstGeom prst="rect">
-            <a:avLst/>
-          </a:prstGeom>
-          <a:ln>
-            <a:noFill/>
-          </a:ln>
-        </p:spPr>
-        <p:style>
-          <a:lnRef idx="2">
-            <a:schemeClr val="accent1">
-              <a:shade val="50000"/>
-            </a:schemeClr>
-          </a:lnRef>
-          <a:fillRef idx="1">
-            <a:schemeClr val="accent1"/>
-          </a:fillRef>
-          <a:effectRef idx="0">
-            <a:schemeClr val="accent1"/>
-          </a:effectRef>
-          <a:fontRef idx="minor">
-            <a:schemeClr val="lt1"/>
-          </a:fontRef>
-        </p:style>
-        <p:txBody>
-          <a:bodyPr rtlCol="0" anchor="ctr"/>
-          <a:lstStyle/>
-          <a:p>
-            <a:pPr algn="ctr"/>
-            <a:endParaRPr lang="en-US"/>
-          </a:p>
-        </p:txBody>
-      </p:sp>
-      <p:sp useBgFill="1">
-        <p:nvSpPr>
-          <p:cNvPr id="13" name="Freeform: Shape 12">
-            <a:extLst>
-              <a:ext uri="{FF2B5EF4-FFF2-40B4-BE49-F238E27FC236}">
-                <a16:creationId xmlns:a16="http://schemas.microsoft.com/office/drawing/2014/main" id="{CF236821-17FE-429B-8D2C-08E13A64EA40}"/>
-              </a:ext>
-              <a:ext uri="{C183D7F6-B498-43B3-948B-1728B52AA6E4}">
-                <adec:decorative xmlns:adec="http://schemas.microsoft.com/office/drawing/2017/decorative" val="1"/>
-              </a:ext>
-            </a:extLst>
-          </p:cNvPr>
-          <p:cNvSpPr>
-            <a:spLocks noGrp="1" noRot="1" noChangeAspect="1" noMove="1" noResize="1" noEditPoints="1" noAdjustHandles="1" noChangeArrowheads="1" noChangeShapeType="1" noTextEdit="1"/>
-          </p:cNvSpPr>
-          <p:nvPr>
-            <p:extLst>
-              <p:ext uri="{386F3935-93C4-4BCD-93E2-E3B085C9AB24}">
-                <p16:designElem xmlns:p16="http://schemas.microsoft.com/office/powerpoint/2015/main" val="1"/>
-              </p:ext>
-            </p:extLst>
-          </p:nvPr>
-        </p:nvSpPr>
-        <p:spPr>
-          <a:xfrm>
-            <a:off x="-1" y="0"/>
-            <a:ext cx="4455673" cy="6858000"/>
-          </a:xfrm>
-          <a:custGeom>
-            <a:avLst/>
-            <a:gdLst>
-              <a:gd name="connsiteX0" fmla="*/ 0 w 4455673"/>
-              <a:gd name="connsiteY0" fmla="*/ 0 h 6858000"/>
-              <a:gd name="connsiteX1" fmla="*/ 3242695 w 4455673"/>
-              <a:gd name="connsiteY1" fmla="*/ 0 h 6858000"/>
-              <a:gd name="connsiteX2" fmla="*/ 3305678 w 4455673"/>
-              <a:gd name="connsiteY2" fmla="*/ 69271 h 6858000"/>
-              <a:gd name="connsiteX3" fmla="*/ 4455673 w 4455673"/>
-              <a:gd name="connsiteY3" fmla="*/ 3429000 h 6858000"/>
-              <a:gd name="connsiteX4" fmla="*/ 3305678 w 4455673"/>
-              <a:gd name="connsiteY4" fmla="*/ 6788730 h 6858000"/>
-              <a:gd name="connsiteX5" fmla="*/ 3242695 w 4455673"/>
-              <a:gd name="connsiteY5" fmla="*/ 6858000 h 6858000"/>
-              <a:gd name="connsiteX6" fmla="*/ 0 w 4455673"/>
-              <a:gd name="connsiteY6" fmla="*/ 6858000 h 6858000"/>
-            </a:gdLst>
-            <a:ahLst/>
-            <a:cxnLst>
-              <a:cxn ang="0">
-                <a:pos x="connsiteX0" y="connsiteY0"/>
-              </a:cxn>
-              <a:cxn ang="0">
-                <a:pos x="connsiteX1" y="connsiteY1"/>
-              </a:cxn>
-              <a:cxn ang="0">
-                <a:pos x="connsiteX2" y="connsiteY2"/>
-              </a:cxn>
-              <a:cxn ang="0">
-                <a:pos x="connsiteX3" y="connsiteY3"/>
-              </a:cxn>
-              <a:cxn ang="0">
-                <a:pos x="connsiteX4" y="connsiteY4"/>
-              </a:cxn>
-              <a:cxn ang="0">
-                <a:pos x="connsiteX5" y="connsiteY5"/>
-              </a:cxn>
-              <a:cxn ang="0">
-                <a:pos x="connsiteX6" y="connsiteY6"/>
-              </a:cxn>
-            </a:cxnLst>
-            <a:rect l="l" t="t" r="r" b="b"/>
-            <a:pathLst>
-              <a:path w="4455673" h="6858000">
-                <a:moveTo>
-                  <a:pt x="0" y="0"/>
-                </a:moveTo>
-                <a:lnTo>
-                  <a:pt x="3242695" y="0"/>
-                </a:lnTo>
-                <a:lnTo>
-                  <a:pt x="3305678" y="69271"/>
-                </a:lnTo>
-                <a:cubicBezTo>
-                  <a:pt x="4016204" y="929100"/>
-                  <a:pt x="4455673" y="2116944"/>
-                  <a:pt x="4455673" y="3429000"/>
-                </a:cubicBezTo>
-                <a:cubicBezTo>
-                  <a:pt x="4455673" y="4741056"/>
-                  <a:pt x="4016204" y="5928900"/>
-                  <a:pt x="3305678" y="6788730"/>
-                </a:cubicBezTo>
-                <a:lnTo>
-                  <a:pt x="3242695" y="6858000"/>
-                </a:lnTo>
-                <a:lnTo>
-                  <a:pt x="0" y="6858000"/>
-                </a:lnTo>
-                <a:close/>
-              </a:path>
-            </a:pathLst>
-          </a:custGeom>
-          <a:ln w="9525">
-            <a:solidFill>
-              <a:srgbClr val="EFEFEF"/>
-            </a:solidFill>
-          </a:ln>
-          <a:effectLst>
-            <a:outerShdw blurRad="88900" dist="38100" algn="l" rotWithShape="0">
-              <a:schemeClr val="bg1">
-                <a:lumMod val="85000"/>
-                <a:alpha val="50000"/>
-              </a:schemeClr>
-            </a:outerShdw>
-          </a:effectLst>
-        </p:spPr>
-        <p:style>
-          <a:lnRef idx="2">
-            <a:schemeClr val="accent1">
-              <a:shade val="50000"/>
-            </a:schemeClr>
-          </a:lnRef>
-          <a:fillRef idx="1">
-            <a:schemeClr val="accent1"/>
-          </a:fillRef>
-          <a:effectRef idx="0">
-            <a:schemeClr val="accent1"/>
-          </a:effectRef>
-          <a:fontRef idx="minor">
-            <a:schemeClr val="lt1"/>
-          </a:fontRef>
-        </p:style>
-        <p:txBody>
-          <a:bodyPr wrap="square" rtlCol="0" anchor="ctr">
-            <a:noAutofit/>
-          </a:bodyPr>
-          <a:lstStyle/>
-          <a:p>
-            <a:pPr marL="0" marR="0" lvl="0" indent="0" algn="ctr" defTabSz="914400" rtl="0" eaLnBrk="1" fontAlgn="auto" latinLnBrk="0" hangingPunct="1">
-              <a:lnSpc>
-                <a:spcPct val="100000"/>
-              </a:lnSpc>
-              <a:spcBef>
-                <a:spcPts val="0"/>
-              </a:spcBef>
-              <a:spcAft>
-                <a:spcPts val="0"/>
-              </a:spcAft>
-              <a:buClrTx/>
-              <a:buSzTx/>
-              <a:buFontTx/>
-              <a:buNone/>
-              <a:tabLst/>
-              <a:defRPr/>
-            </a:pPr>
-            <a:endParaRPr kumimoji="0" lang="en-US" sz="1800" b="0" i="0" u="none" strike="noStrike" kern="1200" cap="none" spc="0" normalizeH="0" baseline="0" noProof="0">
-              <a:ln>
-                <a:noFill/>
-              </a:ln>
-              <a:solidFill>
-                <a:prstClr val="white"/>
-              </a:solidFill>
-              <a:effectLst/>
-              <a:uLnTx/>
-              <a:uFillTx/>
-              <a:latin typeface="Calibri" panose="020F0502020204030204"/>
-              <a:ea typeface="+mn-ea"/>
-              <a:cs typeface="+mn-cs"/>
-            </a:endParaRPr>
-          </a:p>
-        </p:txBody>
-      </p:sp>
-      <p:sp useBgFill="1">
-        <p:nvSpPr>
-          <p:cNvPr id="15" name="Freeform: Shape 14">
-            <a:extLst>
-              <a:ext uri="{FF2B5EF4-FFF2-40B4-BE49-F238E27FC236}">
-                <a16:creationId xmlns:a16="http://schemas.microsoft.com/office/drawing/2014/main" id="{C0BDBCD2-E081-43AB-9119-C55465E59757}"/>
-              </a:ext>
-              <a:ext uri="{C183D7F6-B498-43B3-948B-1728B52AA6E4}">
-                <adec:decorative xmlns:adec="http://schemas.microsoft.com/office/drawing/2017/decorative" val="1"/>
-              </a:ext>
-            </a:extLst>
-          </p:cNvPr>
-          <p:cNvSpPr>
-            <a:spLocks noGrp="1" noRot="1" noChangeAspect="1" noMove="1" noResize="1" noEditPoints="1" noAdjustHandles="1" noChangeArrowheads="1" noChangeShapeType="1" noTextEdit="1"/>
-          </p:cNvSpPr>
-          <p:nvPr>
-            <p:extLst>
-              <p:ext uri="{386F3935-93C4-4BCD-93E2-E3B085C9AB24}">
-                <p16:designElem xmlns:p16="http://schemas.microsoft.com/office/powerpoint/2015/main" val="1"/>
-              </p:ext>
-            </p:extLst>
-          </p:nvPr>
-        </p:nvSpPr>
-        <p:spPr>
-          <a:xfrm>
-            <a:off x="0" y="0"/>
-            <a:ext cx="4446529" cy="6858000"/>
-          </a:xfrm>
-          <a:custGeom>
-            <a:avLst/>
-            <a:gdLst>
-              <a:gd name="connsiteX0" fmla="*/ 0 w 4446529"/>
-              <a:gd name="connsiteY0" fmla="*/ 0 h 6858000"/>
-              <a:gd name="connsiteX1" fmla="*/ 3233551 w 4446529"/>
-              <a:gd name="connsiteY1" fmla="*/ 0 h 6858000"/>
-              <a:gd name="connsiteX2" fmla="*/ 3296534 w 4446529"/>
-              <a:gd name="connsiteY2" fmla="*/ 69271 h 6858000"/>
-              <a:gd name="connsiteX3" fmla="*/ 4446529 w 4446529"/>
-              <a:gd name="connsiteY3" fmla="*/ 3429000 h 6858000"/>
-              <a:gd name="connsiteX4" fmla="*/ 3296534 w 4446529"/>
-              <a:gd name="connsiteY4" fmla="*/ 6788730 h 6858000"/>
-              <a:gd name="connsiteX5" fmla="*/ 3233551 w 4446529"/>
-              <a:gd name="connsiteY5" fmla="*/ 6858000 h 6858000"/>
-              <a:gd name="connsiteX6" fmla="*/ 0 w 4446529"/>
-              <a:gd name="connsiteY6" fmla="*/ 6858000 h 6858000"/>
-            </a:gdLst>
-            <a:ahLst/>
-            <a:cxnLst>
-              <a:cxn ang="0">
-                <a:pos x="connsiteX0" y="connsiteY0"/>
-              </a:cxn>
-              <a:cxn ang="0">
-                <a:pos x="connsiteX1" y="connsiteY1"/>
-              </a:cxn>
-              <a:cxn ang="0">
-                <a:pos x="connsiteX2" y="connsiteY2"/>
-              </a:cxn>
-              <a:cxn ang="0">
-                <a:pos x="connsiteX3" y="connsiteY3"/>
-              </a:cxn>
-              <a:cxn ang="0">
-                <a:pos x="connsiteX4" y="connsiteY4"/>
-              </a:cxn>
-              <a:cxn ang="0">
-                <a:pos x="connsiteX5" y="connsiteY5"/>
-              </a:cxn>
-              <a:cxn ang="0">
-                <a:pos x="connsiteX6" y="connsiteY6"/>
-              </a:cxn>
-            </a:cxnLst>
-            <a:rect l="l" t="t" r="r" b="b"/>
-            <a:pathLst>
-              <a:path w="4446529" h="6858000">
-                <a:moveTo>
-                  <a:pt x="0" y="0"/>
-                </a:moveTo>
-                <a:lnTo>
-                  <a:pt x="3233551" y="0"/>
-                </a:lnTo>
-                <a:lnTo>
-                  <a:pt x="3296534" y="69271"/>
-                </a:lnTo>
-                <a:cubicBezTo>
-                  <a:pt x="4007060" y="929100"/>
-                  <a:pt x="4446529" y="2116944"/>
-                  <a:pt x="4446529" y="3429000"/>
-                </a:cubicBezTo>
-                <a:cubicBezTo>
-                  <a:pt x="4446529" y="4741056"/>
-                  <a:pt x="4007060" y="5928900"/>
-                  <a:pt x="3296534" y="6788730"/>
-                </a:cubicBezTo>
-                <a:lnTo>
-                  <a:pt x="3233551" y="6858000"/>
-                </a:lnTo>
-                <a:lnTo>
-                  <a:pt x="0" y="6858000"/>
-                </a:lnTo>
-                <a:close/>
-              </a:path>
-            </a:pathLst>
-          </a:custGeom>
-          <a:ln w="9525">
-            <a:noFill/>
-          </a:ln>
-          <a:effectLst/>
-        </p:spPr>
-        <p:style>
-          <a:lnRef idx="2">
-            <a:schemeClr val="accent1">
-              <a:shade val="50000"/>
-            </a:schemeClr>
-          </a:lnRef>
-          <a:fillRef idx="1">
-            <a:schemeClr val="accent1"/>
-          </a:fillRef>
-          <a:effectRef idx="0">
-            <a:schemeClr val="accent1"/>
-          </a:effectRef>
-          <a:fontRef idx="minor">
-            <a:schemeClr val="lt1"/>
-          </a:fontRef>
-        </p:style>
-        <p:txBody>
-          <a:bodyPr wrap="square" rtlCol="0" anchor="ctr">
-            <a:noAutofit/>
-          </a:bodyPr>
-          <a:lstStyle/>
-          <a:p>
-            <a:pPr marL="0" marR="0" lvl="0" indent="0" algn="ctr" defTabSz="914400" rtl="0" eaLnBrk="1" fontAlgn="auto" latinLnBrk="0" hangingPunct="1">
-              <a:lnSpc>
-                <a:spcPct val="100000"/>
-              </a:lnSpc>
-              <a:spcBef>
-                <a:spcPts val="0"/>
-              </a:spcBef>
-              <a:spcAft>
-                <a:spcPts val="0"/>
-              </a:spcAft>
-              <a:buClrTx/>
-              <a:buSzTx/>
-              <a:buFontTx/>
-              <a:buNone/>
-              <a:tabLst/>
-              <a:defRPr/>
-            </a:pPr>
-            <a:endParaRPr kumimoji="0" lang="en-US" sz="1800" b="0" i="0" u="none" strike="noStrike" kern="1200" cap="none" spc="0" normalizeH="0" baseline="0" noProof="0">
-              <a:ln>
-                <a:noFill/>
-              </a:ln>
-              <a:solidFill>
-                <a:prstClr val="white"/>
-              </a:solidFill>
-              <a:effectLst/>
-              <a:uLnTx/>
-              <a:uFillTx/>
-              <a:latin typeface="Calibri" panose="020F0502020204030204"/>
-              <a:ea typeface="+mn-ea"/>
-              <a:cs typeface="+mn-cs"/>
-            </a:endParaRPr>
-          </a:p>
-        </p:txBody>
-      </p:sp>
-      <p:sp>
-        <p:nvSpPr>
-          <p:cNvPr id="2" name="Title 1">
-            <a:extLst>
-              <a:ext uri="{FF2B5EF4-FFF2-40B4-BE49-F238E27FC236}">
-                <a16:creationId xmlns:a16="http://schemas.microsoft.com/office/drawing/2014/main" id="{AA623408-815E-B125-9A61-973DF571BFC5}"/>
-              </a:ext>
-            </a:extLst>
-          </p:cNvPr>
-          <p:cNvSpPr>
-            <a:spLocks noGrp="1"/>
-          </p:cNvSpPr>
-          <p:nvPr>
-            <p:ph type="title"/>
-          </p:nvPr>
-        </p:nvSpPr>
-        <p:spPr>
-          <a:xfrm>
-            <a:off x="371094" y="1161288"/>
-            <a:ext cx="3438144" cy="1239012"/>
-          </a:xfrm>
-        </p:spPr>
-        <p:txBody>
-          <a:bodyPr vert="horz" lIns="91440" tIns="45720" rIns="91440" bIns="45720" rtlCol="0" anchor="ctr">
-            <a:normAutofit/>
-          </a:bodyPr>
-          <a:lstStyle/>
-          <a:p>
-            <a:r>
-              <a:rPr lang="en-US" sz="2800" kern="1200">
-                <a:solidFill>
-                  <a:schemeClr val="tx1"/>
-                </a:solidFill>
-                <a:latin typeface="+mj-lt"/>
-                <a:ea typeface="+mj-ea"/>
-                <a:cs typeface="+mj-cs"/>
-              </a:rPr>
-              <a:t>Tools and Resources</a:t>
-            </a:r>
-          </a:p>
-        </p:txBody>
-      </p:sp>
-      <p:sp>
-        <p:nvSpPr>
-          <p:cNvPr id="17" name="Rectangle 16">
-            <a:extLst>
-              <a:ext uri="{FF2B5EF4-FFF2-40B4-BE49-F238E27FC236}">
-                <a16:creationId xmlns:a16="http://schemas.microsoft.com/office/drawing/2014/main" id="{98E79BE4-34FE-485A-98A5-92CE8F7C4743}"/>
-              </a:ext>
-              <a:ext uri="{C183D7F6-B498-43B3-948B-1728B52AA6E4}">
-                <adec:decorative xmlns:adec="http://schemas.microsoft.com/office/drawing/2017/decorative" val="1"/>
-              </a:ext>
-            </a:extLst>
-          </p:cNvPr>
-          <p:cNvSpPr>
-            <a:spLocks noGrp="1" noRot="1" noChangeAspect="1" noMove="1" noResize="1" noEditPoints="1" noAdjustHandles="1" noChangeArrowheads="1" noChangeShapeType="1" noTextEdit="1"/>
-          </p:cNvSpPr>
-          <p:nvPr>
-            <p:extLst>
-              <p:ext uri="{386F3935-93C4-4BCD-93E2-E3B085C9AB24}">
-                <p16:designElem xmlns:p16="http://schemas.microsoft.com/office/powerpoint/2015/main" val="1"/>
-              </p:ext>
-            </p:extLst>
-          </p:nvPr>
-        </p:nvSpPr>
-        <p:spPr>
-          <a:xfrm>
-            <a:off x="0" y="1426546"/>
-            <a:ext cx="128016" cy="653903"/>
-          </a:xfrm>
-          <a:prstGeom prst="rect">
-            <a:avLst/>
-          </a:prstGeom>
-          <a:solidFill>
-            <a:schemeClr val="accent2"/>
-          </a:solidFill>
-          <a:ln>
-            <a:noFill/>
-          </a:ln>
-        </p:spPr>
-        <p:style>
-          <a:lnRef idx="2">
-            <a:schemeClr val="accent1">
-              <a:shade val="50000"/>
-            </a:schemeClr>
-          </a:lnRef>
-          <a:fillRef idx="1">
-            <a:schemeClr val="accent1"/>
-          </a:fillRef>
-          <a:effectRef idx="0">
-            <a:schemeClr val="accent1"/>
-          </a:effectRef>
-          <a:fontRef idx="minor">
-            <a:schemeClr val="lt1"/>
-          </a:fontRef>
-        </p:style>
-        <p:txBody>
-          <a:bodyPr rtlCol="0" anchor="ctr"/>
-          <a:lstStyle/>
-          <a:p>
-            <a:pPr algn="ctr"/>
-            <a:endParaRPr lang="en-US">
-              <a:solidFill>
-                <a:prstClr val="white"/>
-              </a:solidFill>
-              <a:latin typeface="Calibri" panose="020F0502020204030204"/>
-            </a:endParaRPr>
-          </a:p>
-        </p:txBody>
-      </p:sp>
-      <p:sp>
-        <p:nvSpPr>
-          <p:cNvPr id="19" name="Rectangle 18">
-            <a:extLst>
-              <a:ext uri="{FF2B5EF4-FFF2-40B4-BE49-F238E27FC236}">
-                <a16:creationId xmlns:a16="http://schemas.microsoft.com/office/drawing/2014/main" id="{7A5F0580-5EE9-419F-96EE-B6529EF6E7D0}"/>
-              </a:ext>
-              <a:ext uri="{C183D7F6-B498-43B3-948B-1728B52AA6E4}">
-                <adec:decorative xmlns:adec="http://schemas.microsoft.com/office/drawing/2017/decorative" val="1"/>
-              </a:ext>
-            </a:extLst>
-          </p:cNvPr>
-          <p:cNvSpPr>
-            <a:spLocks noGrp="1" noRot="1" noChangeAspect="1" noMove="1" noResize="1" noEditPoints="1" noAdjustHandles="1" noChangeArrowheads="1" noChangeShapeType="1" noTextEdit="1"/>
-          </p:cNvSpPr>
-          <p:nvPr>
-            <p:extLst>
-              <p:ext uri="{386F3935-93C4-4BCD-93E2-E3B085C9AB24}">
-                <p16:designElem xmlns:p16="http://schemas.microsoft.com/office/powerpoint/2015/main" val="1"/>
-              </p:ext>
-            </p:extLst>
-          </p:nvPr>
-        </p:nvSpPr>
-        <p:spPr>
-          <a:xfrm>
-            <a:off x="395893" y="2443480"/>
-            <a:ext cx="3383280" cy="18288"/>
-          </a:xfrm>
-          <a:prstGeom prst="rect">
-            <a:avLst/>
-          </a:prstGeom>
-          <a:solidFill>
-            <a:srgbClr val="D5D5D5"/>
-          </a:solidFill>
-          <a:ln w="3175">
-            <a:noFill/>
-          </a:ln>
-          <a:effectLst/>
-        </p:spPr>
-        <p:style>
-          <a:lnRef idx="2">
-            <a:schemeClr val="accent1">
-              <a:shade val="50000"/>
-            </a:schemeClr>
-          </a:lnRef>
-          <a:fillRef idx="1">
-            <a:schemeClr val="accent1"/>
-          </a:fillRef>
-          <a:effectRef idx="0">
-            <a:schemeClr val="accent1"/>
-          </a:effectRef>
-          <a:fontRef idx="minor">
-            <a:schemeClr val="lt1"/>
-          </a:fontRef>
-        </p:style>
-        <p:txBody>
-          <a:bodyPr rtlCol="0" anchor="ctr"/>
-          <a:lstStyle/>
-          <a:p>
-            <a:pPr marL="0" marR="0" lvl="0" indent="0" algn="ctr" defTabSz="914400" rtl="0" eaLnBrk="1" fontAlgn="auto" latinLnBrk="0" hangingPunct="1">
-              <a:lnSpc>
-                <a:spcPct val="100000"/>
-              </a:lnSpc>
-              <a:spcBef>
-                <a:spcPts val="0"/>
-              </a:spcBef>
-              <a:spcAft>
-                <a:spcPts val="0"/>
-              </a:spcAft>
-              <a:buClrTx/>
-              <a:buSzTx/>
-              <a:buFontTx/>
-              <a:buNone/>
-              <a:tabLst/>
-              <a:defRPr/>
-            </a:pPr>
-            <a:endParaRPr kumimoji="0" lang="en-US" sz="1800" b="0" i="0" u="none" strike="noStrike" kern="1200" cap="none" spc="0" normalizeH="0" baseline="0" noProof="0">
-              <a:ln>
-                <a:noFill/>
-              </a:ln>
-              <a:solidFill>
-                <a:prstClr val="white"/>
-              </a:solidFill>
-              <a:effectLst/>
-              <a:uLnTx/>
-              <a:uFillTx/>
-              <a:latin typeface="Calibri" panose="020F0502020204030204"/>
-              <a:ea typeface="+mn-ea"/>
-              <a:cs typeface="+mn-cs"/>
-            </a:endParaRPr>
-          </a:p>
-        </p:txBody>
-      </p:sp>
-      <p:sp>
-        <p:nvSpPr>
-          <p:cNvPr id="3" name="Content Placeholder 2">
-            <a:extLst>
-              <a:ext uri="{FF2B5EF4-FFF2-40B4-BE49-F238E27FC236}">
-                <a16:creationId xmlns:a16="http://schemas.microsoft.com/office/drawing/2014/main" id="{DD017A8C-014A-A12F-396A-A631E57A0D87}"/>
-              </a:ext>
-            </a:extLst>
-          </p:cNvPr>
-          <p:cNvSpPr>
-            <a:spLocks noGrp="1"/>
-          </p:cNvSpPr>
-          <p:nvPr>
-            <p:ph idx="1"/>
-          </p:nvPr>
-        </p:nvSpPr>
-        <p:spPr>
-          <a:xfrm>
-            <a:off x="371094" y="2718054"/>
-            <a:ext cx="3438906" cy="3207258"/>
-          </a:xfrm>
-        </p:spPr>
-        <p:txBody>
-          <a:bodyPr vert="horz" lIns="91440" tIns="45720" rIns="91440" bIns="45720" rtlCol="0" anchor="t">
-            <a:normAutofit/>
-          </a:bodyPr>
-          <a:lstStyle/>
-          <a:p>
-            <a:pPr>
-              <a:buFont typeface="Arial" panose="020B0604020202020204" pitchFamily="34" charset="0"/>
-              <a:buChar char="•"/>
-            </a:pPr>
-            <a:r>
-              <a:rPr lang="en-US" sz="1700"/>
-              <a:t>Software: Pytorch, OpenCV</a:t>
-            </a:r>
-          </a:p>
-          <a:p>
-            <a:pPr>
-              <a:buFont typeface="Arial" panose="020B0604020202020204" pitchFamily="34" charset="0"/>
-              <a:buChar char="•"/>
-            </a:pPr>
-            <a:r>
-              <a:rPr lang="en-US" sz="1700"/>
-              <a:t>Datasets: MNIST, CIFAR-10, COCO, UCF101</a:t>
-            </a:r>
-          </a:p>
-          <a:p>
-            <a:pPr>
-              <a:buFont typeface="Arial" panose="020B0604020202020204" pitchFamily="34" charset="0"/>
-              <a:buChar char="•"/>
-            </a:pPr>
-            <a:r>
-              <a:rPr lang="en-US" sz="1700"/>
-              <a:t>Fork this repository https://github.com/exponentialR/DL4CV</a:t>
-            </a:r>
-          </a:p>
-          <a:p>
-            <a:pPr>
-              <a:buFont typeface="Arial" panose="020B0604020202020204" pitchFamily="34" charset="0"/>
-              <a:buChar char="•"/>
-            </a:pPr>
-            <a:r>
-              <a:rPr lang="en-US" sz="1700">
-                <a:hlinkClick r:id="rId4"/>
-              </a:rPr>
-              <a:t>Google Colab Demonstration</a:t>
-            </a:r>
-            <a:endParaRPr lang="en-US" sz="1700"/>
-          </a:p>
-          <a:p>
-            <a:pPr>
-              <a:buFont typeface="Arial" panose="020B0604020202020204" pitchFamily="34" charset="0"/>
-              <a:buChar char="•"/>
-            </a:pPr>
-            <a:endParaRPr lang="en-US" sz="1700"/>
-          </a:p>
-        </p:txBody>
-      </p:sp>
-      <p:pic>
-        <p:nvPicPr>
-          <p:cNvPr id="7" name="Screen Recording 6">
-            <a:hlinkClick r:id="" action="ppaction://media"/>
-            <a:extLst>
-              <a:ext uri="{FF2B5EF4-FFF2-40B4-BE49-F238E27FC236}">
-                <a16:creationId xmlns:a16="http://schemas.microsoft.com/office/drawing/2014/main" id="{BE8341E5-07BF-AC99-D57C-A8809CD58F62}"/>
-              </a:ext>
-            </a:extLst>
-          </p:cNvPr>
-          <p:cNvPicPr>
-            <a:picLocks noChangeAspect="1"/>
-          </p:cNvPicPr>
-          <p:nvPr>
-            <a:videoFile r:link="rId2"/>
-            <p:extLst>
-              <p:ext uri="{DAA4B4D4-6D71-4841-9C94-3DE7FCFB9230}">
-                <p14:media xmlns:p14="http://schemas.microsoft.com/office/powerpoint/2010/main" r:embed="rId1"/>
-              </p:ext>
-            </p:extLst>
-          </p:nvPr>
-        </p:nvPicPr>
-        <p:blipFill>
-          <a:blip r:embed="rId5"/>
-          <a:stretch>
-            <a:fillRect/>
-          </a:stretch>
-        </p:blipFill>
-        <p:spPr>
-          <a:xfrm>
-            <a:off x="5022850" y="0"/>
-            <a:ext cx="5651500" cy="6858000"/>
-          </a:xfrm>
-          <a:prstGeom prst="rect">
-            <a:avLst/>
-          </a:prstGeom>
-        </p:spPr>
-      </p:pic>
-    </p:spTree>
-    <p:extLst>
-      <p:ext uri="{BB962C8B-B14F-4D97-AF65-F5344CB8AC3E}">
-        <p14:creationId xmlns:p14="http://schemas.microsoft.com/office/powerpoint/2010/main" val="367128563"/>
-      </p:ext>
-    </p:extLst>
-  </p:cSld>
-  <p:clrMapOvr>
-    <a:masterClrMapping/>
-  </p:clrMapOvr>
-  <p:timing>
-    <p:tnLst>
-      <p:par>
-        <p:cTn id="1" dur="indefinite" restart="never" nodeType="tmRoot">
-          <p:childTnLst>
-            <p:seq concurrent="1" nextAc="seek">
-              <p:cTn id="2" dur="indefinite" nodeType="mainSeq">
-                <p:childTnLst>
-                  <p:par>
-                    <p:cTn id="3" fill="hold">
-                      <p:stCondLst>
-                        <p:cond delay="indefinite"/>
-                      </p:stCondLst>
-                      <p:childTnLst>
-                        <p:par>
-                          <p:cTn id="4" fill="hold">
-                            <p:stCondLst>
-                              <p:cond delay="0"/>
-                            </p:stCondLst>
-                            <p:childTnLst>
-                              <p:par>
-                                <p:cTn id="5" presetID="1" presetClass="mediacall" presetSubtype="0" fill="hold" nodeType="clickEffect">
-                                  <p:stCondLst>
-                                    <p:cond delay="0"/>
-                                  </p:stCondLst>
-                                  <p:childTnLst>
-                                    <p:cmd type="call" cmd="playFrom(0.0)">
-                                      <p:cBhvr>
-                                        <p:cTn id="6" dur="18946" fill="hold"/>
-                                        <p:tgtEl>
-                                          <p:spTgt spid="7"/>
-                                        </p:tgtEl>
-                                      </p:cBhvr>
-                                    </p:cmd>
-                                  </p:childTnLst>
-                                </p:cTn>
-                              </p:par>
-                            </p:childTnLst>
-                          </p:cTn>
-                        </p:par>
-                      </p:childTnLst>
-                    </p:cTn>
-                  </p:par>
-                </p:childTnLst>
-              </p:cTn>
-              <p:prevCondLst>
-                <p:cond evt="onPrev" delay="0">
-                  <p:tgtEl>
-                    <p:sldTgt/>
-                  </p:tgtEl>
-                </p:cond>
-              </p:prevCondLst>
-              <p:nextCondLst>
-                <p:cond evt="onNext" delay="0">
-                  <p:tgtEl>
-                    <p:sldTgt/>
-                  </p:tgtEl>
-                </p:cond>
-              </p:nextCondLst>
-            </p:seq>
-            <p:video>
-              <p:cMediaNode vol="80000">
-                <p:cTn id="7" fill="hold" display="0">
-                  <p:stCondLst>
-                    <p:cond delay="indefinite"/>
-                  </p:stCondLst>
-                </p:cTn>
-                <p:tgtEl>
-                  <p:spTgt spid="7"/>
-                </p:tgtEl>
-              </p:cMediaNode>
-            </p:video>
-            <p:seq concurrent="1" nextAc="seek">
-              <p:cTn id="8" restart="whenNotActive" fill="hold" evtFilter="cancelBubble" nodeType="interactiveSeq">
-                <p:stCondLst>
-                  <p:cond evt="onClick" delay="0">
-                    <p:tgtEl>
-                      <p:spTgt spid="7"/>
-                    </p:tgtEl>
-                  </p:cond>
-                </p:stCondLst>
-                <p:endSync evt="end" delay="0">
-                  <p:rtn val="all"/>
-                </p:endSync>
-                <p:childTnLst>
-                  <p:par>
-                    <p:cTn id="9" fill="hold">
-                      <p:stCondLst>
-                        <p:cond delay="0"/>
-                      </p:stCondLst>
-                      <p:childTnLst>
-                        <p:par>
-                          <p:cTn id="10" fill="hold">
-                            <p:stCondLst>
-                              <p:cond delay="0"/>
-                            </p:stCondLst>
-                            <p:childTnLst>
-                              <p:par>
-                                <p:cTn id="11" presetID="2" presetClass="mediacall" presetSubtype="0" fill="hold" nodeType="clickEffect">
-                                  <p:stCondLst>
-                                    <p:cond delay="0"/>
-                                  </p:stCondLst>
-                                  <p:childTnLst>
-                                    <p:cmd type="call" cmd="togglePause">
-                                      <p:cBhvr>
-                                        <p:cTn id="12" dur="1" fill="hold"/>
-                                        <p:tgtEl>
-                                          <p:spTgt spid="7"/>
-                                        </p:tgtEl>
-                                      </p:cBhvr>
-                                    </p:cmd>
-                                  </p:childTnLst>
-                                </p:cTn>
-                              </p:par>
-                            </p:childTnLst>
-                          </p:cTn>
-                        </p:par>
-                      </p:childTnLst>
-                    </p:cTn>
-                  </p:par>
-                </p:childTnLst>
-              </p:cTn>
-              <p:nextCondLst>
-                <p:cond evt="onClick" delay="0">
-                  <p:tgtEl>
-                    <p:spTgt spid="7"/>
-                  </p:tgtEl>
-                </p:cond>
-              </p:nextCondLst>
-            </p:seq>
-          </p:childTnLst>
-        </p:cTn>
-      </p:par>
-    </p:tnLst>
-  </p:timing>
-</p:sld>
-</file>
-
-<file path=ppt/slides/slide9.xml><?xml version="1.0" encoding="utf-8"?>
+<file path=ppt/slides/slide10.xml><?xml version="1.0" encoding="utf-8"?>
 <p:sld xmlns:a="http://schemas.openxmlformats.org/drawingml/2006/main" xmlns:r="http://schemas.openxmlformats.org/officeDocument/2006/relationships" xmlns:p="http://schemas.openxmlformats.org/presentationml/2006/main">
   <p:cSld>
     <p:bg>
@@ -11312,7 +9517,7 @@
                   <a:spcPts val="600"/>
                 </a:spcAft>
               </a:pPr>
-              <a:t>9</a:t>
+              <a:t>10</a:t>
             </a:fld>
             <a:endParaRPr lang="en-US"/>
           </a:p>
@@ -11322,6 +9527,1244 @@
     <p:extLst>
       <p:ext uri="{BB962C8B-B14F-4D97-AF65-F5344CB8AC3E}">
         <p14:creationId xmlns:p14="http://schemas.microsoft.com/office/powerpoint/2010/main" val="1673056816"/>
+      </p:ext>
+    </p:extLst>
+  </p:cSld>
+  <p:clrMapOvr>
+    <a:masterClrMapping/>
+  </p:clrMapOvr>
+</p:sld>
+</file>
+
+<file path=ppt/slides/slide2.xml><?xml version="1.0" encoding="utf-8"?>
+<p:sld xmlns:a="http://schemas.openxmlformats.org/drawingml/2006/main" xmlns:r="http://schemas.openxmlformats.org/officeDocument/2006/relationships" xmlns:p="http://schemas.openxmlformats.org/presentationml/2006/main">
+  <p:cSld>
+    <p:spTree>
+      <p:nvGrpSpPr>
+        <p:cNvPr id="1" name=""/>
+        <p:cNvGrpSpPr/>
+        <p:nvPr/>
+      </p:nvGrpSpPr>
+      <p:grpSpPr>
+        <a:xfrm>
+          <a:off x="0" y="0"/>
+          <a:ext cx="0" cy="0"/>
+          <a:chOff x="0" y="0"/>
+          <a:chExt cx="0" cy="0"/>
+        </a:xfrm>
+      </p:grpSpPr>
+      <p:sp>
+        <p:nvSpPr>
+          <p:cNvPr id="2" name="Title 1">
+            <a:extLst>
+              <a:ext uri="{FF2B5EF4-FFF2-40B4-BE49-F238E27FC236}">
+                <a16:creationId xmlns:a16="http://schemas.microsoft.com/office/drawing/2014/main" id="{44C5A8C0-47AC-0BC8-38DC-0DCFE8BB91E7}"/>
+              </a:ext>
+            </a:extLst>
+          </p:cNvPr>
+          <p:cNvSpPr>
+            <a:spLocks noGrp="1"/>
+          </p:cNvSpPr>
+          <p:nvPr>
+            <p:ph type="title"/>
+          </p:nvPr>
+        </p:nvSpPr>
+        <p:spPr/>
+        <p:txBody>
+          <a:bodyPr/>
+          <a:lstStyle/>
+          <a:p>
+            <a:endParaRPr lang="en-GB"/>
+          </a:p>
+        </p:txBody>
+      </p:sp>
+      <p:sp>
+        <p:nvSpPr>
+          <p:cNvPr id="3" name="Content Placeholder 2">
+            <a:extLst>
+              <a:ext uri="{FF2B5EF4-FFF2-40B4-BE49-F238E27FC236}">
+                <a16:creationId xmlns:a16="http://schemas.microsoft.com/office/drawing/2014/main" id="{9B5B55B5-2904-83E1-7870-45347EC55F6E}"/>
+              </a:ext>
+            </a:extLst>
+          </p:cNvPr>
+          <p:cNvSpPr>
+            <a:spLocks noGrp="1"/>
+          </p:cNvSpPr>
+          <p:nvPr>
+            <p:ph idx="1"/>
+          </p:nvPr>
+        </p:nvSpPr>
+        <p:spPr/>
+        <p:txBody>
+          <a:bodyPr/>
+          <a:lstStyle/>
+          <a:p>
+            <a:endParaRPr lang="en-GB" dirty="0"/>
+          </a:p>
+        </p:txBody>
+      </p:sp>
+      <p:pic>
+        <p:nvPicPr>
+          <p:cNvPr id="5" name="Picture 4">
+            <a:extLst>
+              <a:ext uri="{FF2B5EF4-FFF2-40B4-BE49-F238E27FC236}">
+                <a16:creationId xmlns:a16="http://schemas.microsoft.com/office/drawing/2014/main" id="{8ACB6AE2-E99D-3FEA-5EA4-A069B3E29CBB}"/>
+              </a:ext>
+            </a:extLst>
+          </p:cNvPr>
+          <p:cNvPicPr>
+            <a:picLocks noChangeAspect="1"/>
+          </p:cNvPicPr>
+          <p:nvPr/>
+        </p:nvPicPr>
+        <p:blipFill>
+          <a:blip r:embed="rId2"/>
+          <a:stretch>
+            <a:fillRect/>
+          </a:stretch>
+        </p:blipFill>
+        <p:spPr>
+          <a:xfrm>
+            <a:off x="3638747" y="1403365"/>
+            <a:ext cx="3601039" cy="2806936"/>
+          </a:xfrm>
+          <a:prstGeom prst="rect">
+            <a:avLst/>
+          </a:prstGeom>
+        </p:spPr>
+      </p:pic>
+      <p:pic>
+        <p:nvPicPr>
+          <p:cNvPr id="7" name="Picture 6">
+            <a:extLst>
+              <a:ext uri="{FF2B5EF4-FFF2-40B4-BE49-F238E27FC236}">
+                <a16:creationId xmlns:a16="http://schemas.microsoft.com/office/drawing/2014/main" id="{66834BC5-9561-F9A7-510D-12CB9AE7A275}"/>
+              </a:ext>
+            </a:extLst>
+          </p:cNvPr>
+          <p:cNvPicPr>
+            <a:picLocks noChangeAspect="1"/>
+          </p:cNvPicPr>
+          <p:nvPr/>
+        </p:nvPicPr>
+        <p:blipFill>
+          <a:blip r:embed="rId3"/>
+          <a:stretch>
+            <a:fillRect/>
+          </a:stretch>
+        </p:blipFill>
+        <p:spPr>
+          <a:xfrm>
+            <a:off x="7239786" y="1403365"/>
+            <a:ext cx="4161519" cy="2925784"/>
+          </a:xfrm>
+          <a:prstGeom prst="rect">
+            <a:avLst/>
+          </a:prstGeom>
+        </p:spPr>
+      </p:pic>
+      <p:pic>
+        <p:nvPicPr>
+          <p:cNvPr id="9" name="Picture 8">
+            <a:extLst>
+              <a:ext uri="{FF2B5EF4-FFF2-40B4-BE49-F238E27FC236}">
+                <a16:creationId xmlns:a16="http://schemas.microsoft.com/office/drawing/2014/main" id="{4FF035EE-3992-D60E-9587-CEA9AFC39388}"/>
+              </a:ext>
+            </a:extLst>
+          </p:cNvPr>
+          <p:cNvPicPr>
+            <a:picLocks noChangeAspect="1"/>
+          </p:cNvPicPr>
+          <p:nvPr/>
+        </p:nvPicPr>
+        <p:blipFill>
+          <a:blip r:embed="rId4"/>
+          <a:stretch>
+            <a:fillRect/>
+          </a:stretch>
+        </p:blipFill>
+        <p:spPr>
+          <a:xfrm>
+            <a:off x="421895" y="1403365"/>
+            <a:ext cx="3216852" cy="2995170"/>
+          </a:xfrm>
+          <a:prstGeom prst="rect">
+            <a:avLst/>
+          </a:prstGeom>
+        </p:spPr>
+      </p:pic>
+    </p:spTree>
+    <p:extLst>
+      <p:ext uri="{BB962C8B-B14F-4D97-AF65-F5344CB8AC3E}">
+        <p14:creationId xmlns:p14="http://schemas.microsoft.com/office/powerpoint/2010/main" val="1895656085"/>
+      </p:ext>
+    </p:extLst>
+  </p:cSld>
+  <p:clrMapOvr>
+    <a:masterClrMapping/>
+  </p:clrMapOvr>
+</p:sld>
+</file>
+
+<file path=ppt/slides/slide3.xml><?xml version="1.0" encoding="utf-8"?>
+<p:sld xmlns:a="http://schemas.openxmlformats.org/drawingml/2006/main" xmlns:r="http://schemas.openxmlformats.org/officeDocument/2006/relationships" xmlns:p="http://schemas.openxmlformats.org/presentationml/2006/main">
+  <p:cSld>
+    <p:spTree>
+      <p:nvGrpSpPr>
+        <p:cNvPr id="1" name=""/>
+        <p:cNvGrpSpPr/>
+        <p:nvPr/>
+      </p:nvGrpSpPr>
+      <p:grpSpPr>
+        <a:xfrm>
+          <a:off x="0" y="0"/>
+          <a:ext cx="0" cy="0"/>
+          <a:chOff x="0" y="0"/>
+          <a:chExt cx="0" cy="0"/>
+        </a:xfrm>
+      </p:grpSpPr>
+      <p:sp>
+        <p:nvSpPr>
+          <p:cNvPr id="2" name="Title 1">
+            <a:extLst>
+              <a:ext uri="{FF2B5EF4-FFF2-40B4-BE49-F238E27FC236}">
+                <a16:creationId xmlns:a16="http://schemas.microsoft.com/office/drawing/2014/main" id="{EABFC35E-CCAE-BF8D-0F96-6B98630ACD27}"/>
+              </a:ext>
+            </a:extLst>
+          </p:cNvPr>
+          <p:cNvSpPr>
+            <a:spLocks noGrp="1"/>
+          </p:cNvSpPr>
+          <p:nvPr>
+            <p:ph type="title"/>
+          </p:nvPr>
+        </p:nvSpPr>
+        <p:spPr/>
+        <p:txBody>
+          <a:bodyPr/>
+          <a:lstStyle/>
+          <a:p>
+            <a:r>
+              <a:rPr lang="en-GB" dirty="0"/>
+              <a:t>Course Objectives</a:t>
+            </a:r>
+          </a:p>
+        </p:txBody>
+      </p:sp>
+      <p:sp>
+        <p:nvSpPr>
+          <p:cNvPr id="3" name="Content Placeholder 2">
+            <a:extLst>
+              <a:ext uri="{FF2B5EF4-FFF2-40B4-BE49-F238E27FC236}">
+                <a16:creationId xmlns:a16="http://schemas.microsoft.com/office/drawing/2014/main" id="{23510F94-E070-B969-9901-2A61BD57B947}"/>
+              </a:ext>
+            </a:extLst>
+          </p:cNvPr>
+          <p:cNvSpPr>
+            <a:spLocks noGrp="1"/>
+          </p:cNvSpPr>
+          <p:nvPr>
+            <p:ph idx="1"/>
+          </p:nvPr>
+        </p:nvSpPr>
+        <p:spPr/>
+        <p:txBody>
+          <a:bodyPr/>
+          <a:lstStyle/>
+          <a:p>
+            <a:pPr algn="just"/>
+            <a:r>
+              <a:rPr lang="en-GB" dirty="0"/>
+              <a:t>Gain a foundational understanding of deep learning concepts.</a:t>
+            </a:r>
+          </a:p>
+          <a:p>
+            <a:pPr algn="just"/>
+            <a:endParaRPr lang="en-GB" dirty="0"/>
+          </a:p>
+          <a:p>
+            <a:pPr algn="just"/>
+            <a:r>
+              <a:rPr lang="en-GB" dirty="0"/>
+              <a:t>Learn to implement various Computer Vision models using TensorFlow/</a:t>
+            </a:r>
+            <a:r>
+              <a:rPr lang="en-GB" dirty="0" err="1"/>
+              <a:t>PyTorch</a:t>
+            </a:r>
+            <a:r>
+              <a:rPr lang="en-GB" dirty="0"/>
+              <a:t>.</a:t>
+            </a:r>
+          </a:p>
+          <a:p>
+            <a:pPr algn="just"/>
+            <a:endParaRPr lang="en-GB" dirty="0"/>
+          </a:p>
+          <a:p>
+            <a:pPr algn="just"/>
+            <a:r>
+              <a:rPr lang="en-GB" dirty="0"/>
+              <a:t>Explore advanced topics like Image classification, Object Detection, and pose estimation.</a:t>
+            </a:r>
+          </a:p>
+          <a:p>
+            <a:pPr algn="just"/>
+            <a:endParaRPr lang="en-GB" dirty="0"/>
+          </a:p>
+          <a:p>
+            <a:pPr algn="just"/>
+            <a:r>
+              <a:rPr lang="en-GB" dirty="0"/>
+              <a:t>Engage in hands-on projects to reinforce learning.</a:t>
+            </a:r>
+          </a:p>
+        </p:txBody>
+      </p:sp>
+    </p:spTree>
+    <p:extLst>
+      <p:ext uri="{BB962C8B-B14F-4D97-AF65-F5344CB8AC3E}">
+        <p14:creationId xmlns:p14="http://schemas.microsoft.com/office/powerpoint/2010/main" val="2683509230"/>
+      </p:ext>
+    </p:extLst>
+  </p:cSld>
+  <p:clrMapOvr>
+    <a:masterClrMapping/>
+  </p:clrMapOvr>
+  <p:timing>
+    <p:tnLst>
+      <p:par>
+        <p:cTn id="1" dur="indefinite" restart="never" nodeType="tmRoot">
+          <p:childTnLst>
+            <p:seq concurrent="1" nextAc="seek">
+              <p:cTn id="2" dur="indefinite" nodeType="mainSeq">
+                <p:childTnLst>
+                  <p:par>
+                    <p:cTn id="3" fill="hold">
+                      <p:stCondLst>
+                        <p:cond delay="indefinite"/>
+                      </p:stCondLst>
+                      <p:childTnLst>
+                        <p:par>
+                          <p:cTn id="4" fill="hold">
+                            <p:stCondLst>
+                              <p:cond delay="0"/>
+                            </p:stCondLst>
+                            <p:childTnLst>
+                              <p:par>
+                                <p:cTn id="5" presetID="10" presetClass="entr" presetSubtype="0" fill="hold" grpId="0" nodeType="clickEffect">
+                                  <p:stCondLst>
+                                    <p:cond delay="0"/>
+                                  </p:stCondLst>
+                                  <p:childTnLst>
+                                    <p:set>
+                                      <p:cBhvr>
+                                        <p:cTn id="6" dur="1" fill="hold">
+                                          <p:stCondLst>
+                                            <p:cond delay="0"/>
+                                          </p:stCondLst>
+                                        </p:cTn>
+                                        <p:tgtEl>
+                                          <p:spTgt spid="3">
+                                            <p:txEl>
+                                              <p:pRg st="0" end="0"/>
+                                            </p:txEl>
+                                          </p:spTgt>
+                                        </p:tgtEl>
+                                        <p:attrNameLst>
+                                          <p:attrName>style.visibility</p:attrName>
+                                        </p:attrNameLst>
+                                      </p:cBhvr>
+                                      <p:to>
+                                        <p:strVal val="visible"/>
+                                      </p:to>
+                                    </p:set>
+                                    <p:animEffect transition="in" filter="fade">
+                                      <p:cBhvr>
+                                        <p:cTn id="7" dur="500"/>
+                                        <p:tgtEl>
+                                          <p:spTgt spid="3">
+                                            <p:txEl>
+                                              <p:pRg st="0" end="0"/>
+                                            </p:txEl>
+                                          </p:spTgt>
+                                        </p:tgtEl>
+                                      </p:cBhvr>
+                                    </p:animEffect>
+                                  </p:childTnLst>
+                                </p:cTn>
+                              </p:par>
+                            </p:childTnLst>
+                          </p:cTn>
+                        </p:par>
+                      </p:childTnLst>
+                    </p:cTn>
+                  </p:par>
+                  <p:par>
+                    <p:cTn id="8" fill="hold">
+                      <p:stCondLst>
+                        <p:cond delay="indefinite"/>
+                      </p:stCondLst>
+                      <p:childTnLst>
+                        <p:par>
+                          <p:cTn id="9" fill="hold">
+                            <p:stCondLst>
+                              <p:cond delay="0"/>
+                            </p:stCondLst>
+                            <p:childTnLst>
+                              <p:par>
+                                <p:cTn id="10" presetID="10" presetClass="entr" presetSubtype="0" fill="hold" grpId="0" nodeType="clickEffect">
+                                  <p:stCondLst>
+                                    <p:cond delay="0"/>
+                                  </p:stCondLst>
+                                  <p:childTnLst>
+                                    <p:set>
+                                      <p:cBhvr>
+                                        <p:cTn id="11" dur="1" fill="hold">
+                                          <p:stCondLst>
+                                            <p:cond delay="0"/>
+                                          </p:stCondLst>
+                                        </p:cTn>
+                                        <p:tgtEl>
+                                          <p:spTgt spid="3">
+                                            <p:txEl>
+                                              <p:pRg st="2" end="2"/>
+                                            </p:txEl>
+                                          </p:spTgt>
+                                        </p:tgtEl>
+                                        <p:attrNameLst>
+                                          <p:attrName>style.visibility</p:attrName>
+                                        </p:attrNameLst>
+                                      </p:cBhvr>
+                                      <p:to>
+                                        <p:strVal val="visible"/>
+                                      </p:to>
+                                    </p:set>
+                                    <p:animEffect transition="in" filter="fade">
+                                      <p:cBhvr>
+                                        <p:cTn id="12" dur="500"/>
+                                        <p:tgtEl>
+                                          <p:spTgt spid="3">
+                                            <p:txEl>
+                                              <p:pRg st="2" end="2"/>
+                                            </p:txEl>
+                                          </p:spTgt>
+                                        </p:tgtEl>
+                                      </p:cBhvr>
+                                    </p:animEffect>
+                                  </p:childTnLst>
+                                </p:cTn>
+                              </p:par>
+                            </p:childTnLst>
+                          </p:cTn>
+                        </p:par>
+                      </p:childTnLst>
+                    </p:cTn>
+                  </p:par>
+                  <p:par>
+                    <p:cTn id="13" fill="hold">
+                      <p:stCondLst>
+                        <p:cond delay="indefinite"/>
+                      </p:stCondLst>
+                      <p:childTnLst>
+                        <p:par>
+                          <p:cTn id="14" fill="hold">
+                            <p:stCondLst>
+                              <p:cond delay="0"/>
+                            </p:stCondLst>
+                            <p:childTnLst>
+                              <p:par>
+                                <p:cTn id="15" presetID="10" presetClass="entr" presetSubtype="0" fill="hold" grpId="0" nodeType="clickEffect">
+                                  <p:stCondLst>
+                                    <p:cond delay="0"/>
+                                  </p:stCondLst>
+                                  <p:childTnLst>
+                                    <p:set>
+                                      <p:cBhvr>
+                                        <p:cTn id="16" dur="1" fill="hold">
+                                          <p:stCondLst>
+                                            <p:cond delay="0"/>
+                                          </p:stCondLst>
+                                        </p:cTn>
+                                        <p:tgtEl>
+                                          <p:spTgt spid="3">
+                                            <p:txEl>
+                                              <p:pRg st="4" end="4"/>
+                                            </p:txEl>
+                                          </p:spTgt>
+                                        </p:tgtEl>
+                                        <p:attrNameLst>
+                                          <p:attrName>style.visibility</p:attrName>
+                                        </p:attrNameLst>
+                                      </p:cBhvr>
+                                      <p:to>
+                                        <p:strVal val="visible"/>
+                                      </p:to>
+                                    </p:set>
+                                    <p:animEffect transition="in" filter="fade">
+                                      <p:cBhvr>
+                                        <p:cTn id="17" dur="500"/>
+                                        <p:tgtEl>
+                                          <p:spTgt spid="3">
+                                            <p:txEl>
+                                              <p:pRg st="4" end="4"/>
+                                            </p:txEl>
+                                          </p:spTgt>
+                                        </p:tgtEl>
+                                      </p:cBhvr>
+                                    </p:animEffect>
+                                  </p:childTnLst>
+                                </p:cTn>
+                              </p:par>
+                            </p:childTnLst>
+                          </p:cTn>
+                        </p:par>
+                      </p:childTnLst>
+                    </p:cTn>
+                  </p:par>
+                  <p:par>
+                    <p:cTn id="18" fill="hold">
+                      <p:stCondLst>
+                        <p:cond delay="indefinite"/>
+                      </p:stCondLst>
+                      <p:childTnLst>
+                        <p:par>
+                          <p:cTn id="19" fill="hold">
+                            <p:stCondLst>
+                              <p:cond delay="0"/>
+                            </p:stCondLst>
+                            <p:childTnLst>
+                              <p:par>
+                                <p:cTn id="20" presetID="10" presetClass="entr" presetSubtype="0" fill="hold" grpId="0" nodeType="clickEffect">
+                                  <p:stCondLst>
+                                    <p:cond delay="0"/>
+                                  </p:stCondLst>
+                                  <p:childTnLst>
+                                    <p:set>
+                                      <p:cBhvr>
+                                        <p:cTn id="21" dur="1" fill="hold">
+                                          <p:stCondLst>
+                                            <p:cond delay="0"/>
+                                          </p:stCondLst>
+                                        </p:cTn>
+                                        <p:tgtEl>
+                                          <p:spTgt spid="3">
+                                            <p:txEl>
+                                              <p:pRg st="6" end="6"/>
+                                            </p:txEl>
+                                          </p:spTgt>
+                                        </p:tgtEl>
+                                        <p:attrNameLst>
+                                          <p:attrName>style.visibility</p:attrName>
+                                        </p:attrNameLst>
+                                      </p:cBhvr>
+                                      <p:to>
+                                        <p:strVal val="visible"/>
+                                      </p:to>
+                                    </p:set>
+                                    <p:animEffect transition="in" filter="fade">
+                                      <p:cBhvr>
+                                        <p:cTn id="22" dur="500"/>
+                                        <p:tgtEl>
+                                          <p:spTgt spid="3">
+                                            <p:txEl>
+                                              <p:pRg st="6" end="6"/>
+                                            </p:txEl>
+                                          </p:spTgt>
+                                        </p:tgtEl>
+                                      </p:cBhvr>
+                                    </p:animEffect>
+                                  </p:childTnLst>
+                                </p:cTn>
+                              </p:par>
+                            </p:childTnLst>
+                          </p:cTn>
+                        </p:par>
+                      </p:childTnLst>
+                    </p:cTn>
+                  </p:par>
+                </p:childTnLst>
+              </p:cTn>
+              <p:prevCondLst>
+                <p:cond evt="onPrev" delay="0">
+                  <p:tgtEl>
+                    <p:sldTgt/>
+                  </p:tgtEl>
+                </p:cond>
+              </p:prevCondLst>
+              <p:nextCondLst>
+                <p:cond evt="onNext" delay="0">
+                  <p:tgtEl>
+                    <p:sldTgt/>
+                  </p:tgtEl>
+                </p:cond>
+              </p:nextCondLst>
+            </p:seq>
+          </p:childTnLst>
+        </p:cTn>
+      </p:par>
+    </p:tnLst>
+    <p:bldLst>
+      <p:bldP spid="3" grpId="0" build="p"/>
+    </p:bldLst>
+  </p:timing>
+</p:sld>
+</file>
+
+<file path=ppt/slides/slide4.xml><?xml version="1.0" encoding="utf-8"?>
+<p:sld xmlns:a="http://schemas.openxmlformats.org/drawingml/2006/main" xmlns:r="http://schemas.openxmlformats.org/officeDocument/2006/relationships" xmlns:p="http://schemas.openxmlformats.org/presentationml/2006/main">
+  <p:cSld>
+    <p:spTree>
+      <p:nvGrpSpPr>
+        <p:cNvPr id="1" name=""/>
+        <p:cNvGrpSpPr/>
+        <p:nvPr/>
+      </p:nvGrpSpPr>
+      <p:grpSpPr>
+        <a:xfrm>
+          <a:off x="0" y="0"/>
+          <a:ext cx="0" cy="0"/>
+          <a:chOff x="0" y="0"/>
+          <a:chExt cx="0" cy="0"/>
+        </a:xfrm>
+      </p:grpSpPr>
+      <p:sp>
+        <p:nvSpPr>
+          <p:cNvPr id="2" name="Title 1">
+            <a:extLst>
+              <a:ext uri="{FF2B5EF4-FFF2-40B4-BE49-F238E27FC236}">
+                <a16:creationId xmlns:a16="http://schemas.microsoft.com/office/drawing/2014/main" id="{EE1E1CD5-A97C-C55D-B7F3-C335696FE3EA}"/>
+              </a:ext>
+            </a:extLst>
+          </p:cNvPr>
+          <p:cNvSpPr>
+            <a:spLocks noGrp="1"/>
+          </p:cNvSpPr>
+          <p:nvPr>
+            <p:ph type="title"/>
+          </p:nvPr>
+        </p:nvSpPr>
+        <p:spPr/>
+        <p:txBody>
+          <a:bodyPr/>
+          <a:lstStyle/>
+          <a:p>
+            <a:r>
+              <a:rPr lang="en-GB" dirty="0"/>
+              <a:t>Course Structure</a:t>
+            </a:r>
+          </a:p>
+        </p:txBody>
+      </p:sp>
+      <p:sp>
+        <p:nvSpPr>
+          <p:cNvPr id="3" name="Content Placeholder 2">
+            <a:extLst>
+              <a:ext uri="{FF2B5EF4-FFF2-40B4-BE49-F238E27FC236}">
+                <a16:creationId xmlns:a16="http://schemas.microsoft.com/office/drawing/2014/main" id="{AC675313-2AB2-AC5B-3BD4-BB2FFF948506}"/>
+              </a:ext>
+            </a:extLst>
+          </p:cNvPr>
+          <p:cNvSpPr>
+            <a:spLocks noGrp="1"/>
+          </p:cNvSpPr>
+          <p:nvPr>
+            <p:ph idx="1"/>
+          </p:nvPr>
+        </p:nvSpPr>
+        <p:spPr/>
+        <p:txBody>
+          <a:bodyPr/>
+          <a:lstStyle/>
+          <a:p>
+            <a:r>
+              <a:rPr lang="en-GB" dirty="0"/>
+              <a:t>4 Days in Total</a:t>
+            </a:r>
+          </a:p>
+          <a:p>
+            <a:endParaRPr lang="en-GB" dirty="0"/>
+          </a:p>
+          <a:p>
+            <a:r>
+              <a:rPr lang="en-GB" dirty="0"/>
+              <a:t>Each day includes both lectures and hands-on sessions.</a:t>
+            </a:r>
+          </a:p>
+          <a:p>
+            <a:endParaRPr lang="en-GB" dirty="0"/>
+          </a:p>
+          <a:p>
+            <a:r>
+              <a:rPr lang="en-GB" dirty="0"/>
+              <a:t>Day 4 will focus on QA/revision.</a:t>
+            </a:r>
+          </a:p>
+        </p:txBody>
+      </p:sp>
+    </p:spTree>
+    <p:extLst>
+      <p:ext uri="{BB962C8B-B14F-4D97-AF65-F5344CB8AC3E}">
+        <p14:creationId xmlns:p14="http://schemas.microsoft.com/office/powerpoint/2010/main" val="2621461285"/>
+      </p:ext>
+    </p:extLst>
+  </p:cSld>
+  <p:clrMapOvr>
+    <a:masterClrMapping/>
+  </p:clrMapOvr>
+</p:sld>
+</file>
+
+<file path=ppt/slides/slide5.xml><?xml version="1.0" encoding="utf-8"?>
+<p:sld xmlns:a="http://schemas.openxmlformats.org/drawingml/2006/main" xmlns:r="http://schemas.openxmlformats.org/officeDocument/2006/relationships" xmlns:p="http://schemas.openxmlformats.org/presentationml/2006/main">
+  <p:cSld>
+    <p:spTree>
+      <p:nvGrpSpPr>
+        <p:cNvPr id="1" name=""/>
+        <p:cNvGrpSpPr/>
+        <p:nvPr/>
+      </p:nvGrpSpPr>
+      <p:grpSpPr>
+        <a:xfrm>
+          <a:off x="0" y="0"/>
+          <a:ext cx="0" cy="0"/>
+          <a:chOff x="0" y="0"/>
+          <a:chExt cx="0" cy="0"/>
+        </a:xfrm>
+      </p:grpSpPr>
+      <p:sp>
+        <p:nvSpPr>
+          <p:cNvPr id="2" name="Title 1">
+            <a:extLst>
+              <a:ext uri="{FF2B5EF4-FFF2-40B4-BE49-F238E27FC236}">
+                <a16:creationId xmlns:a16="http://schemas.microsoft.com/office/drawing/2014/main" id="{73E0F1BB-58D0-69BE-27C9-053C3E32E375}"/>
+              </a:ext>
+            </a:extLst>
+          </p:cNvPr>
+          <p:cNvSpPr>
+            <a:spLocks noGrp="1"/>
+          </p:cNvSpPr>
+          <p:nvPr>
+            <p:ph type="title"/>
+          </p:nvPr>
+        </p:nvSpPr>
+        <p:spPr/>
+        <p:txBody>
+          <a:bodyPr/>
+          <a:lstStyle/>
+          <a:p>
+            <a:r>
+              <a:rPr lang="en-GB" dirty="0"/>
+              <a:t>Day 1 Overview</a:t>
+            </a:r>
+          </a:p>
+        </p:txBody>
+      </p:sp>
+      <p:sp>
+        <p:nvSpPr>
+          <p:cNvPr id="3" name="Content Placeholder 2">
+            <a:extLst>
+              <a:ext uri="{FF2B5EF4-FFF2-40B4-BE49-F238E27FC236}">
+                <a16:creationId xmlns:a16="http://schemas.microsoft.com/office/drawing/2014/main" id="{0F72DF59-44D1-9E6D-7A8B-7BA82334684B}"/>
+              </a:ext>
+            </a:extLst>
+          </p:cNvPr>
+          <p:cNvSpPr>
+            <a:spLocks noGrp="1"/>
+          </p:cNvSpPr>
+          <p:nvPr>
+            <p:ph idx="1"/>
+          </p:nvPr>
+        </p:nvSpPr>
+        <p:spPr/>
+        <p:txBody>
+          <a:bodyPr/>
+          <a:lstStyle/>
+          <a:p>
+            <a:r>
+              <a:rPr lang="en-GB" dirty="0"/>
+              <a:t>Introduction </a:t>
+            </a:r>
+            <a:r>
+              <a:rPr lang="en-GB"/>
+              <a:t>to Python</a:t>
+            </a:r>
+            <a:endParaRPr lang="en-GB" dirty="0"/>
+          </a:p>
+          <a:p>
+            <a:endParaRPr lang="en-GB" dirty="0"/>
+          </a:p>
+          <a:p>
+            <a:r>
+              <a:rPr lang="en-GB" dirty="0"/>
+              <a:t>Introduction to Deep Learning</a:t>
+            </a:r>
+          </a:p>
+          <a:p>
+            <a:endParaRPr lang="en-GB" dirty="0"/>
+          </a:p>
+          <a:p>
+            <a:r>
+              <a:rPr lang="en-GB" dirty="0"/>
+              <a:t>Basics of Computer Vision</a:t>
+            </a:r>
+          </a:p>
+          <a:p>
+            <a:endParaRPr lang="en-GB" dirty="0"/>
+          </a:p>
+          <a:p>
+            <a:r>
+              <a:rPr lang="en-GB" dirty="0"/>
+              <a:t>Introduction to Convolutional Neural Networks (CNNs)</a:t>
+            </a:r>
+          </a:p>
+          <a:p>
+            <a:endParaRPr lang="en-GB" sz="2400" b="1" i="1" dirty="0"/>
+          </a:p>
+          <a:p>
+            <a:r>
+              <a:rPr lang="en-GB" sz="2400" b="1" i="1" dirty="0"/>
+              <a:t>Hands-On: Basic Image Classification using CNNs</a:t>
+            </a:r>
+          </a:p>
+        </p:txBody>
+      </p:sp>
+    </p:spTree>
+    <p:extLst>
+      <p:ext uri="{BB962C8B-B14F-4D97-AF65-F5344CB8AC3E}">
+        <p14:creationId xmlns:p14="http://schemas.microsoft.com/office/powerpoint/2010/main" val="3166952218"/>
+      </p:ext>
+    </p:extLst>
+  </p:cSld>
+  <p:clrMapOvr>
+    <a:masterClrMapping/>
+  </p:clrMapOvr>
+</p:sld>
+</file>
+
+<file path=ppt/slides/slide6.xml><?xml version="1.0" encoding="utf-8"?>
+<p:sld xmlns:a="http://schemas.openxmlformats.org/drawingml/2006/main" xmlns:r="http://schemas.openxmlformats.org/officeDocument/2006/relationships" xmlns:p="http://schemas.openxmlformats.org/presentationml/2006/main">
+  <p:cSld>
+    <p:spTree>
+      <p:nvGrpSpPr>
+        <p:cNvPr id="1" name=""/>
+        <p:cNvGrpSpPr/>
+        <p:nvPr/>
+      </p:nvGrpSpPr>
+      <p:grpSpPr>
+        <a:xfrm>
+          <a:off x="0" y="0"/>
+          <a:ext cx="0" cy="0"/>
+          <a:chOff x="0" y="0"/>
+          <a:chExt cx="0" cy="0"/>
+        </a:xfrm>
+      </p:grpSpPr>
+      <p:sp>
+        <p:nvSpPr>
+          <p:cNvPr id="2" name="Title 1">
+            <a:extLst>
+              <a:ext uri="{FF2B5EF4-FFF2-40B4-BE49-F238E27FC236}">
+                <a16:creationId xmlns:a16="http://schemas.microsoft.com/office/drawing/2014/main" id="{ACF33F8E-AD66-F5CF-98AA-AEDFFAD534C7}"/>
+              </a:ext>
+            </a:extLst>
+          </p:cNvPr>
+          <p:cNvSpPr>
+            <a:spLocks noGrp="1"/>
+          </p:cNvSpPr>
+          <p:nvPr>
+            <p:ph type="title"/>
+          </p:nvPr>
+        </p:nvSpPr>
+        <p:spPr/>
+        <p:txBody>
+          <a:bodyPr/>
+          <a:lstStyle/>
+          <a:p>
+            <a:r>
+              <a:rPr lang="en-GB" dirty="0"/>
+              <a:t>Day 2: Overview</a:t>
+            </a:r>
+          </a:p>
+        </p:txBody>
+      </p:sp>
+      <p:sp>
+        <p:nvSpPr>
+          <p:cNvPr id="3" name="Content Placeholder 2">
+            <a:extLst>
+              <a:ext uri="{FF2B5EF4-FFF2-40B4-BE49-F238E27FC236}">
+                <a16:creationId xmlns:a16="http://schemas.microsoft.com/office/drawing/2014/main" id="{47C133E9-7E19-B444-FCDF-7765579A8EEA}"/>
+              </a:ext>
+            </a:extLst>
+          </p:cNvPr>
+          <p:cNvSpPr>
+            <a:spLocks noGrp="1"/>
+          </p:cNvSpPr>
+          <p:nvPr>
+            <p:ph idx="1"/>
+          </p:nvPr>
+        </p:nvSpPr>
+        <p:spPr/>
+        <p:txBody>
+          <a:bodyPr/>
+          <a:lstStyle/>
+          <a:p>
+            <a:r>
+              <a:rPr lang="en-GB" dirty="0"/>
+              <a:t>Advanced CNN Architectures</a:t>
+            </a:r>
+          </a:p>
+          <a:p>
+            <a:pPr marL="0" indent="0">
+              <a:buNone/>
+            </a:pPr>
+            <a:endParaRPr lang="en-GB" dirty="0"/>
+          </a:p>
+          <a:p>
+            <a:r>
+              <a:rPr lang="en-GB" dirty="0"/>
+              <a:t>Transfer Learning and Fine-Tuning</a:t>
+            </a:r>
+          </a:p>
+          <a:p>
+            <a:endParaRPr lang="en-GB" sz="2400" b="1" i="1" dirty="0"/>
+          </a:p>
+          <a:p>
+            <a:r>
+              <a:rPr lang="en-GB" sz="2400" b="1" i="1" dirty="0"/>
+              <a:t>Hands-On: </a:t>
+            </a:r>
+            <a:r>
+              <a:rPr lang="en-GB" sz="2400" b="1" i="1" dirty="0" err="1"/>
+              <a:t>ResNet</a:t>
+            </a:r>
+            <a:r>
+              <a:rPr lang="en-GB" sz="2400" b="1" i="1" dirty="0"/>
+              <a:t> and Transfer Learning</a:t>
+            </a:r>
+          </a:p>
+        </p:txBody>
+      </p:sp>
+    </p:spTree>
+    <p:extLst>
+      <p:ext uri="{BB962C8B-B14F-4D97-AF65-F5344CB8AC3E}">
+        <p14:creationId xmlns:p14="http://schemas.microsoft.com/office/powerpoint/2010/main" val="3892270133"/>
+      </p:ext>
+    </p:extLst>
+  </p:cSld>
+  <p:clrMapOvr>
+    <a:masterClrMapping/>
+  </p:clrMapOvr>
+</p:sld>
+</file>
+
+<file path=ppt/slides/slide7.xml><?xml version="1.0" encoding="utf-8"?>
+<p:sld xmlns:a="http://schemas.openxmlformats.org/drawingml/2006/main" xmlns:r="http://schemas.openxmlformats.org/officeDocument/2006/relationships" xmlns:p="http://schemas.openxmlformats.org/presentationml/2006/main">
+  <p:cSld>
+    <p:spTree>
+      <p:nvGrpSpPr>
+        <p:cNvPr id="1" name=""/>
+        <p:cNvGrpSpPr/>
+        <p:nvPr/>
+      </p:nvGrpSpPr>
+      <p:grpSpPr>
+        <a:xfrm>
+          <a:off x="0" y="0"/>
+          <a:ext cx="0" cy="0"/>
+          <a:chOff x="0" y="0"/>
+          <a:chExt cx="0" cy="0"/>
+        </a:xfrm>
+      </p:grpSpPr>
+      <p:sp>
+        <p:nvSpPr>
+          <p:cNvPr id="2" name="Title 1">
+            <a:extLst>
+              <a:ext uri="{FF2B5EF4-FFF2-40B4-BE49-F238E27FC236}">
+                <a16:creationId xmlns:a16="http://schemas.microsoft.com/office/drawing/2014/main" id="{620F347A-6C0A-0DC9-22FE-289E3A63AC59}"/>
+              </a:ext>
+            </a:extLst>
+          </p:cNvPr>
+          <p:cNvSpPr>
+            <a:spLocks noGrp="1"/>
+          </p:cNvSpPr>
+          <p:nvPr>
+            <p:ph type="title"/>
+          </p:nvPr>
+        </p:nvSpPr>
+        <p:spPr/>
+        <p:txBody>
+          <a:bodyPr/>
+          <a:lstStyle/>
+          <a:p>
+            <a:r>
+              <a:rPr lang="en-GB" dirty="0"/>
+              <a:t>Day 3: Overview</a:t>
+            </a:r>
+          </a:p>
+        </p:txBody>
+      </p:sp>
+      <p:sp>
+        <p:nvSpPr>
+          <p:cNvPr id="3" name="Content Placeholder 2">
+            <a:extLst>
+              <a:ext uri="{FF2B5EF4-FFF2-40B4-BE49-F238E27FC236}">
+                <a16:creationId xmlns:a16="http://schemas.microsoft.com/office/drawing/2014/main" id="{18B8ACE7-0778-1510-B41C-D949890A7E10}"/>
+              </a:ext>
+            </a:extLst>
+          </p:cNvPr>
+          <p:cNvSpPr>
+            <a:spLocks noGrp="1"/>
+          </p:cNvSpPr>
+          <p:nvPr>
+            <p:ph idx="1"/>
+          </p:nvPr>
+        </p:nvSpPr>
+        <p:spPr/>
+        <p:txBody>
+          <a:bodyPr/>
+          <a:lstStyle/>
+          <a:p>
+            <a:r>
+              <a:rPr lang="en-GB" dirty="0"/>
+              <a:t>Object Detection </a:t>
+            </a:r>
+          </a:p>
+          <a:p>
+            <a:endParaRPr lang="en-GB" dirty="0"/>
+          </a:p>
+          <a:p>
+            <a:r>
+              <a:rPr lang="en-GB" dirty="0"/>
+              <a:t>Pose Estimation</a:t>
+            </a:r>
+          </a:p>
+          <a:p>
+            <a:endParaRPr lang="en-GB" dirty="0"/>
+          </a:p>
+          <a:p>
+            <a:r>
+              <a:rPr lang="en-GB" sz="2400" b="1" i="1" dirty="0"/>
+              <a:t>Hands-on; Object Detection and Pose Estimation</a:t>
+            </a:r>
+          </a:p>
+        </p:txBody>
+      </p:sp>
+    </p:spTree>
+    <p:extLst>
+      <p:ext uri="{BB962C8B-B14F-4D97-AF65-F5344CB8AC3E}">
+        <p14:creationId xmlns:p14="http://schemas.microsoft.com/office/powerpoint/2010/main" val="3232468039"/>
+      </p:ext>
+    </p:extLst>
+  </p:cSld>
+  <p:clrMapOvr>
+    <a:masterClrMapping/>
+  </p:clrMapOvr>
+</p:sld>
+</file>
+
+<file path=ppt/slides/slide8.xml><?xml version="1.0" encoding="utf-8"?>
+<p:sld xmlns:a="http://schemas.openxmlformats.org/drawingml/2006/main" xmlns:r="http://schemas.openxmlformats.org/officeDocument/2006/relationships" xmlns:p="http://schemas.openxmlformats.org/presentationml/2006/main">
+  <p:cSld>
+    <p:spTree>
+      <p:nvGrpSpPr>
+        <p:cNvPr id="1" name=""/>
+        <p:cNvGrpSpPr/>
+        <p:nvPr/>
+      </p:nvGrpSpPr>
+      <p:grpSpPr>
+        <a:xfrm>
+          <a:off x="0" y="0"/>
+          <a:ext cx="0" cy="0"/>
+          <a:chOff x="0" y="0"/>
+          <a:chExt cx="0" cy="0"/>
+        </a:xfrm>
+      </p:grpSpPr>
+      <p:sp>
+        <p:nvSpPr>
+          <p:cNvPr id="2" name="Title 1">
+            <a:extLst>
+              <a:ext uri="{FF2B5EF4-FFF2-40B4-BE49-F238E27FC236}">
+                <a16:creationId xmlns:a16="http://schemas.microsoft.com/office/drawing/2014/main" id="{FCADE524-FECD-5A16-7155-A323FA347E16}"/>
+              </a:ext>
+            </a:extLst>
+          </p:cNvPr>
+          <p:cNvSpPr>
+            <a:spLocks noGrp="1"/>
+          </p:cNvSpPr>
+          <p:nvPr>
+            <p:ph type="title"/>
+          </p:nvPr>
+        </p:nvSpPr>
+        <p:spPr/>
+        <p:txBody>
+          <a:bodyPr/>
+          <a:lstStyle/>
+          <a:p>
+            <a:r>
+              <a:rPr lang="en-GB" dirty="0"/>
+              <a:t>Day 4: Overview</a:t>
+            </a:r>
+          </a:p>
+        </p:txBody>
+      </p:sp>
+      <p:sp>
+        <p:nvSpPr>
+          <p:cNvPr id="3" name="Content Placeholder 2">
+            <a:extLst>
+              <a:ext uri="{FF2B5EF4-FFF2-40B4-BE49-F238E27FC236}">
+                <a16:creationId xmlns:a16="http://schemas.microsoft.com/office/drawing/2014/main" id="{28C44444-029F-3E66-482A-8940441F81FE}"/>
+              </a:ext>
+            </a:extLst>
+          </p:cNvPr>
+          <p:cNvSpPr>
+            <a:spLocks noGrp="1"/>
+          </p:cNvSpPr>
+          <p:nvPr>
+            <p:ph idx="1"/>
+          </p:nvPr>
+        </p:nvSpPr>
+        <p:spPr/>
+        <p:txBody>
+          <a:bodyPr/>
+          <a:lstStyle/>
+          <a:p>
+            <a:r>
+              <a:rPr lang="en-GB" dirty="0"/>
+              <a:t>Revision and Q&amp;A</a:t>
+            </a:r>
+          </a:p>
+          <a:p>
+            <a:endParaRPr lang="en-GB" dirty="0"/>
+          </a:p>
+        </p:txBody>
+      </p:sp>
+    </p:spTree>
+    <p:extLst>
+      <p:ext uri="{BB962C8B-B14F-4D97-AF65-F5344CB8AC3E}">
+        <p14:creationId xmlns:p14="http://schemas.microsoft.com/office/powerpoint/2010/main" val="1317526569"/>
+      </p:ext>
+    </p:extLst>
+  </p:cSld>
+  <p:clrMapOvr>
+    <a:masterClrMapping/>
+  </p:clrMapOvr>
+</p:sld>
+</file>
+
+<file path=ppt/slides/slide9.xml><?xml version="1.0" encoding="utf-8"?>
+<p:sld xmlns:a="http://schemas.openxmlformats.org/drawingml/2006/main" xmlns:r="http://schemas.openxmlformats.org/officeDocument/2006/relationships" xmlns:p="http://schemas.openxmlformats.org/presentationml/2006/main">
+  <p:cSld>
+    <p:spTree>
+      <p:nvGrpSpPr>
+        <p:cNvPr id="1" name=""/>
+        <p:cNvGrpSpPr/>
+        <p:nvPr/>
+      </p:nvGrpSpPr>
+      <p:grpSpPr>
+        <a:xfrm>
+          <a:off x="0" y="0"/>
+          <a:ext cx="0" cy="0"/>
+          <a:chOff x="0" y="0"/>
+          <a:chExt cx="0" cy="0"/>
+        </a:xfrm>
+      </p:grpSpPr>
+      <p:sp>
+        <p:nvSpPr>
+          <p:cNvPr id="2" name="Title 1">
+            <a:extLst>
+              <a:ext uri="{FF2B5EF4-FFF2-40B4-BE49-F238E27FC236}">
+                <a16:creationId xmlns:a16="http://schemas.microsoft.com/office/drawing/2014/main" id="{AA623408-815E-B125-9A61-973DF571BFC5}"/>
+              </a:ext>
+            </a:extLst>
+          </p:cNvPr>
+          <p:cNvSpPr>
+            <a:spLocks noGrp="1"/>
+          </p:cNvSpPr>
+          <p:nvPr>
+            <p:ph type="title"/>
+          </p:nvPr>
+        </p:nvSpPr>
+        <p:spPr/>
+        <p:txBody>
+          <a:bodyPr/>
+          <a:lstStyle/>
+          <a:p>
+            <a:r>
+              <a:rPr lang="en-GB" dirty="0"/>
+              <a:t>Tools and Resources</a:t>
+            </a:r>
+          </a:p>
+        </p:txBody>
+      </p:sp>
+      <p:sp>
+        <p:nvSpPr>
+          <p:cNvPr id="3" name="Content Placeholder 2">
+            <a:extLst>
+              <a:ext uri="{FF2B5EF4-FFF2-40B4-BE49-F238E27FC236}">
+                <a16:creationId xmlns:a16="http://schemas.microsoft.com/office/drawing/2014/main" id="{DD017A8C-014A-A12F-396A-A631E57A0D87}"/>
+              </a:ext>
+            </a:extLst>
+          </p:cNvPr>
+          <p:cNvSpPr>
+            <a:spLocks noGrp="1"/>
+          </p:cNvSpPr>
+          <p:nvPr>
+            <p:ph idx="1"/>
+          </p:nvPr>
+        </p:nvSpPr>
+        <p:spPr/>
+        <p:txBody>
+          <a:bodyPr/>
+          <a:lstStyle/>
+          <a:p>
+            <a:r>
+              <a:rPr lang="en-GB" dirty="0"/>
+              <a:t>Software: </a:t>
+            </a:r>
+            <a:r>
+              <a:rPr lang="en-GB" dirty="0" err="1"/>
+              <a:t>Pytorch</a:t>
+            </a:r>
+            <a:r>
+              <a:rPr lang="en-GB" dirty="0"/>
+              <a:t>, OpenCV</a:t>
+            </a:r>
+          </a:p>
+          <a:p>
+            <a:endParaRPr lang="en-GB" dirty="0"/>
+          </a:p>
+          <a:p>
+            <a:r>
+              <a:rPr lang="en-GB" dirty="0"/>
+              <a:t>Datasets: MNIST, CIFAR-10, COCO, RAF-FACE, Animals (Cats, Dogs, Pandas)</a:t>
+            </a:r>
+          </a:p>
+          <a:p>
+            <a:endParaRPr lang="en-GB" dirty="0"/>
+          </a:p>
+          <a:p>
+            <a:r>
+              <a:rPr lang="en-GB" dirty="0" err="1"/>
+              <a:t>Jupyter</a:t>
+            </a:r>
+            <a:r>
+              <a:rPr lang="en-GB" dirty="0"/>
+              <a:t> Notebook or Google </a:t>
+            </a:r>
+            <a:r>
+              <a:rPr lang="en-GB" dirty="0" err="1"/>
+              <a:t>Colab</a:t>
+            </a:r>
+            <a:endParaRPr lang="en-GB" dirty="0"/>
+          </a:p>
+          <a:p>
+            <a:endParaRPr lang="en-GB" dirty="0"/>
+          </a:p>
+        </p:txBody>
+      </p:sp>
+    </p:spTree>
+    <p:extLst>
+      <p:ext uri="{BB962C8B-B14F-4D97-AF65-F5344CB8AC3E}">
+        <p14:creationId xmlns:p14="http://schemas.microsoft.com/office/powerpoint/2010/main" val="367128563"/>
       </p:ext>
     </p:extLst>
   </p:cSld>
@@ -11854,23 +11297,6 @@
 </file>
 
 <file path=customXml/item1.xml><?xml version="1.0" encoding="utf-8"?>
-<p:properties xmlns:p="http://schemas.microsoft.com/office/2006/metadata/properties" xmlns:xsi="http://www.w3.org/2001/XMLSchema-instance" xmlns:pc="http://schemas.microsoft.com/office/infopath/2007/PartnerControls">
-  <documentManagement>
-    <_activity xmlns="05134dd9-c034-4942-b2d7-fbd1eafcac92" xsi:nil="true"/>
-  </documentManagement>
-</p:properties>
-</file>
-
-<file path=customXml/item2.xml><?xml version="1.0" encoding="utf-8"?>
-<?mso-contentType ?>
-<FormTemplates xmlns="http://schemas.microsoft.com/sharepoint/v3/contenttype/forms">
-  <Display>DocumentLibraryForm</Display>
-  <Edit>DocumentLibraryForm</Edit>
-  <New>DocumentLibraryForm</New>
-</FormTemplates>
-</file>
-
-<file path=customXml/item3.xml><?xml version="1.0" encoding="utf-8"?>
 <ct:contentTypeSchema xmlns:ct="http://schemas.microsoft.com/office/2006/metadata/contentType" xmlns:ma="http://schemas.microsoft.com/office/2006/metadata/properties/metaAttributes" ct:_="" ma:_="" ma:contentTypeName="Document" ma:contentTypeID="0x0101002A7ED06A76BCB4498FC2C5C62673B35A" ma:contentTypeVersion="6" ma:contentTypeDescription="Create a new document." ma:contentTypeScope="" ma:versionID="d7423cdd8774633b87ff54a088915c1a">
   <xsd:schema xmlns:xsd="http://www.w3.org/2001/XMLSchema" xmlns:xs="http://www.w3.org/2001/XMLSchema" xmlns:p="http://schemas.microsoft.com/office/2006/metadata/properties" xmlns:ns3="05134dd9-c034-4942-b2d7-fbd1eafcac92" xmlns:ns4="43d65d49-6ab5-4b4b-8a89-49aeed78adf8" targetNamespace="http://schemas.microsoft.com/office/2006/metadata/properties" ma:root="true" ma:fieldsID="692f76f97a08b68f651c822524154e1b" ns3:_="" ns4:_="">
     <xsd:import namespace="05134dd9-c034-4942-b2d7-fbd1eafcac92"/>
@@ -12047,32 +11473,24 @@
 </ct:contentTypeSchema>
 </file>
 
-<file path=customXml/itemProps1.xml><?xml version="1.0" encoding="utf-8"?>
-<ds:datastoreItem xmlns:ds="http://schemas.openxmlformats.org/officeDocument/2006/customXml" ds:itemID="{99F9C559-DDDE-42D5-A039-6AFB890D9939}">
-  <ds:schemaRefs>
-    <ds:schemaRef ds:uri="05134dd9-c034-4942-b2d7-fbd1eafcac92"/>
-    <ds:schemaRef ds:uri="http://schemas.microsoft.com/office/2006/documentManagement/types"/>
-    <ds:schemaRef ds:uri="http://purl.org/dc/elements/1.1/"/>
-    <ds:schemaRef ds:uri="http://www.w3.org/XML/1998/namespace"/>
-    <ds:schemaRef ds:uri="http://purl.org/dc/dcmitype/"/>
-    <ds:schemaRef ds:uri="http://schemas.microsoft.com/office/2006/metadata/properties"/>
-    <ds:schemaRef ds:uri="http://schemas.microsoft.com/office/infopath/2007/PartnerControls"/>
-    <ds:schemaRef ds:uri="http://schemas.openxmlformats.org/package/2006/metadata/core-properties"/>
-    <ds:schemaRef ds:uri="43d65d49-6ab5-4b4b-8a89-49aeed78adf8"/>
-    <ds:schemaRef ds:uri="http://purl.org/dc/terms/"/>
-  </ds:schemaRefs>
-</ds:datastoreItem>
+<file path=customXml/item2.xml><?xml version="1.0" encoding="utf-8"?>
+<?mso-contentType ?>
+<FormTemplates xmlns="http://schemas.microsoft.com/sharepoint/v3/contenttype/forms">
+  <Display>DocumentLibraryForm</Display>
+  <Edit>DocumentLibraryForm</Edit>
+  <New>DocumentLibraryForm</New>
+</FormTemplates>
 </file>
 
-<file path=customXml/itemProps2.xml><?xml version="1.0" encoding="utf-8"?>
-<ds:datastoreItem xmlns:ds="http://schemas.openxmlformats.org/officeDocument/2006/customXml" ds:itemID="{BFDE277E-6EEC-40D1-AE2B-3070E42E7325}">
-  <ds:schemaRefs>
-    <ds:schemaRef ds:uri="http://schemas.microsoft.com/sharepoint/v3/contenttype/forms"/>
-  </ds:schemaRefs>
-</ds:datastoreItem>
+<file path=customXml/item3.xml><?xml version="1.0" encoding="utf-8"?>
+<p:properties xmlns:p="http://schemas.microsoft.com/office/2006/metadata/properties" xmlns:xsi="http://www.w3.org/2001/XMLSchema-instance" xmlns:pc="http://schemas.microsoft.com/office/infopath/2007/PartnerControls">
+  <documentManagement>
+    <_activity xmlns="05134dd9-c034-4942-b2d7-fbd1eafcac92" xsi:nil="true"/>
+  </documentManagement>
+</p:properties>
 </file>
 
-<file path=customXml/itemProps3.xml><?xml version="1.0" encoding="utf-8"?>
+<file path=customXml/itemProps1.xml><?xml version="1.0" encoding="utf-8"?>
 <ds:datastoreItem xmlns:ds="http://schemas.openxmlformats.org/officeDocument/2006/customXml" ds:itemID="{BFF23B9D-9796-4B98-B7BE-452B5396C6BC}">
   <ds:schemaRefs>
     <ds:schemaRef ds:uri="http://schemas.microsoft.com/office/2006/metadata/contentType"/>
@@ -12089,4 +11507,29 @@
     <ds:schemaRef ds:uri="http://schemas.microsoft.com/internal/obd"/>
   </ds:schemaRefs>
 </ds:datastoreItem>
+</file>
+
+<file path=customXml/itemProps2.xml><?xml version="1.0" encoding="utf-8"?>
+<ds:datastoreItem xmlns:ds="http://schemas.openxmlformats.org/officeDocument/2006/customXml" ds:itemID="{BFDE277E-6EEC-40D1-AE2B-3070E42E7325}">
+  <ds:schemaRefs>
+    <ds:schemaRef ds:uri="http://schemas.microsoft.com/sharepoint/v3/contenttype/forms"/>
+  </ds:schemaRefs>
+</ds:datastoreItem>
+</file>
+
+<file path=customXml/itemProps3.xml><?xml version="1.0" encoding="utf-8"?>
+<ds:datastoreItem xmlns:ds="http://schemas.openxmlformats.org/officeDocument/2006/customXml" ds:itemID="{99F9C559-DDDE-42D5-A039-6AFB890D9939}">
+  <ds:schemaRefs>
+    <ds:schemaRef ds:uri="05134dd9-c034-4942-b2d7-fbd1eafcac92"/>
+    <ds:schemaRef ds:uri="http://schemas.microsoft.com/office/2006/documentManagement/types"/>
+    <ds:schemaRef ds:uri="http://purl.org/dc/elements/1.1/"/>
+    <ds:schemaRef ds:uri="http://www.w3.org/XML/1998/namespace"/>
+    <ds:schemaRef ds:uri="http://purl.org/dc/dcmitype/"/>
+    <ds:schemaRef ds:uri="http://schemas.microsoft.com/office/2006/metadata/properties"/>
+    <ds:schemaRef ds:uri="http://schemas.microsoft.com/office/infopath/2007/PartnerControls"/>
+    <ds:schemaRef ds:uri="http://schemas.openxmlformats.org/package/2006/metadata/core-properties"/>
+    <ds:schemaRef ds:uri="43d65d49-6ab5-4b4b-8a89-49aeed78adf8"/>
+    <ds:schemaRef ds:uri="http://purl.org/dc/terms/"/>
+  </ds:schemaRefs>
+</ds:datastoreItem>
 </file>